--- a/Slides/Lesson 1.7 Combine Simpler Functions.pptx
+++ b/Slides/Lesson 1.7 Combine Simpler Functions.pptx
@@ -252,7 +252,7 @@
           <a:p>
             <a:fld id="{0FAC78B3-EDCE-4187-A1AE-28620314FA32}" type="datetimeFigureOut">
               <a:rPr lang="en-US" smtClean="0"/>
-              <a:t>8/3/2015</a:t>
+              <a:t>8/4/2015</a:t>
             </a:fld>
             <a:endParaRPr lang="en-US"/>
           </a:p>
@@ -1045,7 +1045,7 @@
           <a:p>
             <a:fld id="{CA8B1E08-976E-451D-97C5-3D69BA983FFE}" type="datetime1">
               <a:rPr lang="en-US" smtClean="0"/>
-              <a:t>8/3/2015</a:t>
+              <a:t>8/4/2015</a:t>
             </a:fld>
             <a:endParaRPr lang="en-US"/>
           </a:p>
@@ -1301,7 +1301,7 @@
           <a:p>
             <a:fld id="{F33D5BC8-75F3-411B-AA7E-18F2517CF048}" type="datetime1">
               <a:rPr lang="en-US" smtClean="0"/>
-              <a:t>8/3/2015</a:t>
+              <a:t>8/4/2015</a:t>
             </a:fld>
             <a:endParaRPr lang="en-US"/>
           </a:p>
@@ -1467,7 +1467,7 @@
           <a:p>
             <a:fld id="{394448D4-AED6-43DB-A0F8-CD4938D2549C}" type="datetime1">
               <a:rPr lang="en-US" smtClean="0"/>
-              <a:t>8/3/2015</a:t>
+              <a:t>8/4/2015</a:t>
             </a:fld>
             <a:endParaRPr lang="en-US"/>
           </a:p>
@@ -1643,7 +1643,7 @@
           <a:p>
             <a:fld id="{160CE893-3A38-428F-89AB-E97AD9CAA95E}" type="datetime1">
               <a:rPr lang="en-US" smtClean="0"/>
-              <a:t>8/3/2015</a:t>
+              <a:t>8/4/2015</a:t>
             </a:fld>
             <a:endParaRPr lang="en-US"/>
           </a:p>
@@ -1821,7 +1821,7 @@
           <a:p>
             <a:fld id="{DC7A6930-E356-4864-92C1-40AC7A5201AA}" type="datetime1">
               <a:rPr lang="en-US" smtClean="0"/>
-              <a:t>8/3/2015</a:t>
+              <a:t>8/4/2015</a:t>
             </a:fld>
             <a:endParaRPr lang="en-US"/>
           </a:p>
@@ -2002,7 +2002,7 @@
           <a:p>
             <a:fld id="{45C1EE53-8F27-4821-8161-190499C0D007}" type="datetime1">
               <a:rPr lang="en-US" smtClean="0"/>
-              <a:t>8/3/2015</a:t>
+              <a:t>8/4/2015</a:t>
             </a:fld>
             <a:endParaRPr lang="en-US"/>
           </a:p>
@@ -2255,7 +2255,7 @@
           <a:p>
             <a:fld id="{0D423975-99FA-4807-B1B4-A59DEFED898A}" type="datetime1">
               <a:rPr lang="en-US" smtClean="0"/>
-              <a:t>8/3/2015</a:t>
+              <a:t>8/4/2015</a:t>
             </a:fld>
             <a:endParaRPr lang="en-US"/>
           </a:p>
@@ -2539,7 +2539,7 @@
           <a:p>
             <a:fld id="{90F7752F-4922-4BAA-9C20-D4DAF4ED08B5}" type="datetime1">
               <a:rPr lang="en-US" smtClean="0"/>
-              <a:t>8/3/2015</a:t>
+              <a:t>8/4/2015</a:t>
             </a:fld>
             <a:endParaRPr lang="en-US"/>
           </a:p>
@@ -2964,7 +2964,7 @@
           <a:p>
             <a:fld id="{3536A633-E76F-4E07-A3AE-A7A784889AE2}" type="datetime1">
               <a:rPr lang="en-US" smtClean="0"/>
-              <a:t>8/3/2015</a:t>
+              <a:t>8/4/2015</a:t>
             </a:fld>
             <a:endParaRPr lang="en-US"/>
           </a:p>
@@ -3078,7 +3078,7 @@
           <a:p>
             <a:fld id="{61CB5BDE-D72B-4A3A-925B-2A5C22F639AF}" type="datetime1">
               <a:rPr lang="en-US" smtClean="0"/>
-              <a:t>8/3/2015</a:t>
+              <a:t>8/4/2015</a:t>
             </a:fld>
             <a:endParaRPr lang="en-US"/>
           </a:p>
@@ -3169,7 +3169,7 @@
           <a:p>
             <a:fld id="{A24C7B69-131B-4374-A9CC-0845A85B9B89}" type="datetime1">
               <a:rPr lang="en-US" smtClean="0"/>
-              <a:t>8/3/2015</a:t>
+              <a:t>8/4/2015</a:t>
             </a:fld>
             <a:endParaRPr lang="en-US"/>
           </a:p>
@@ -3449,7 +3449,7 @@
           <a:p>
             <a:fld id="{2F57E60E-10B6-4F85-8F8E-D3A8141030E0}" type="datetime1">
               <a:rPr lang="en-US" smtClean="0"/>
-              <a:t>8/3/2015</a:t>
+              <a:t>8/4/2015</a:t>
             </a:fld>
             <a:endParaRPr lang="en-US"/>
           </a:p>
@@ -3658,7 +3658,7 @@
           <a:p>
             <a:fld id="{8684A8BA-DEEC-47D2-87F9-8204232D7DB8}" type="datetime1">
               <a:rPr lang="en-US" smtClean="0"/>
-              <a:t>8/3/2015</a:t>
+              <a:t>8/4/2015</a:t>
             </a:fld>
             <a:endParaRPr lang="en-US"/>
           </a:p>
@@ -4203,7 +4203,6 @@
                 <a:rPr lang="en-US" sz="1000" dirty="0" smtClean="0"/>
                 <a:t>2012-2015</a:t>
               </a:r>
-              <a:endParaRPr lang="en-US" sz="1000" dirty="0" smtClean="0"/>
             </a:p>
             <a:p>
               <a:r>
@@ -4631,7 +4630,11 @@
           <a:p>
             <a:r>
               <a:rPr lang="en-US" dirty="0" smtClean="0"/>
-              <a:t>What can you write in a function combination?</a:t>
+              <a:t>What can you write in a </a:t>
+            </a:r>
+            <a:r>
+              <a:rPr lang="en-US" dirty="0" smtClean="0"/>
+              <a:t>combination of simpler functions?</a:t>
             </a:r>
             <a:endParaRPr lang="en-US" dirty="0"/>
           </a:p>
@@ -4812,19 +4815,7 @@
           <a:p>
             <a:r>
               <a:rPr lang="en-US" dirty="0" smtClean="0"/>
-              <a:t>“Combining simpler functions” </a:t>
-            </a:r>
-            <a:r>
-              <a:rPr lang="en-US" dirty="0" smtClean="0"/>
-              <a:t>is </a:t>
-            </a:r>
-            <a:r>
-              <a:rPr lang="en-US" dirty="0" smtClean="0"/>
-              <a:t>for very short definitions only</a:t>
-            </a:r>
-            <a:r>
-              <a:rPr lang="en-US" dirty="0" smtClean="0"/>
-              <a:t>.</a:t>
+              <a:t>“Combining simpler functions” is for very short definitions only.</a:t>
             </a:r>
           </a:p>
           <a:p>
@@ -4936,52 +4927,36 @@
           <a:p>
             <a:r>
               <a:rPr lang="en-US" dirty="0" smtClean="0"/>
-              <a:t>When do you need to introduce </a:t>
-            </a:r>
+              <a:t>When do you need to introduce new functions?</a:t>
+            </a:r>
+            <a:endParaRPr lang="en-US" dirty="0"/>
+          </a:p>
+        </p:txBody>
+      </p:sp>
+      <p:sp>
+        <p:nvSpPr>
+          <p:cNvPr id="3" name="Content Placeholder 2"/>
+          <p:cNvSpPr>
+            <a:spLocks noGrp="1"/>
+          </p:cNvSpPr>
+          <p:nvPr>
+            <p:ph idx="1"/>
+          </p:nvPr>
+        </p:nvSpPr>
+        <p:spPr/>
+        <p:txBody>
+          <a:bodyPr/>
+          <a:lstStyle/>
+          <a:p>
             <a:r>
               <a:rPr lang="en-US" dirty="0" smtClean="0"/>
-              <a:t>new functions</a:t>
-            </a:r>
+              <a:t>If a function has pieces that can be given meaningful contracts and purpose statements, then break it up and use function composition.</a:t>
+            </a:r>
+          </a:p>
+          <a:p>
             <a:r>
               <a:rPr lang="en-US" dirty="0" smtClean="0"/>
-              <a:t>?</a:t>
-            </a:r>
-            <a:endParaRPr lang="en-US" dirty="0"/>
-          </a:p>
-        </p:txBody>
-      </p:sp>
-      <p:sp>
-        <p:nvSpPr>
-          <p:cNvPr id="3" name="Content Placeholder 2"/>
-          <p:cNvSpPr>
-            <a:spLocks noGrp="1"/>
-          </p:cNvSpPr>
-          <p:nvPr>
-            <p:ph idx="1"/>
-          </p:nvPr>
-        </p:nvSpPr>
-        <p:spPr/>
-        <p:txBody>
-          <a:bodyPr/>
-          <a:lstStyle/>
-          <a:p>
-            <a:r>
-              <a:rPr lang="en-US" dirty="0" smtClean="0"/>
-              <a:t>If a function has pieces that can be given meaningful contracts and purpose statements, then break it up and use function composition</a:t>
-            </a:r>
-            <a:r>
-              <a:rPr lang="en-US" dirty="0" smtClean="0"/>
-              <a:t>.</a:t>
-            </a:r>
-          </a:p>
-          <a:p>
-            <a:r>
-              <a:rPr lang="en-US" dirty="0" smtClean="0"/>
-              <a:t>Then </a:t>
-            </a:r>
-            <a:r>
-              <a:rPr lang="en-US" dirty="0" smtClean="0"/>
-              <a:t>apply the design recipe to design the pieces.</a:t>
+              <a:t>Then apply the design recipe to design the pieces.</a:t>
             </a:r>
             <a:endParaRPr lang="en-US" dirty="0"/>
           </a:p>
@@ -5127,19 +5102,8 @@
                 <a:latin typeface="Consolas" pitchFamily="49" charset="0"/>
                 <a:cs typeface="Consolas" pitchFamily="49" charset="0"/>
               </a:rPr>
-              <a:t>;; strategy: </a:t>
-            </a:r>
-            <a:r>
-              <a:rPr lang="en-US" sz="2300" b="1" dirty="0" smtClean="0">
-                <a:latin typeface="Consolas" pitchFamily="49" charset="0"/>
-                <a:cs typeface="Consolas" pitchFamily="49" charset="0"/>
-              </a:rPr>
-              <a:t>use template for Ball</a:t>
-            </a:r>
-            <a:endParaRPr lang="en-US" sz="2300" b="1" dirty="0" smtClean="0">
-              <a:latin typeface="Consolas" pitchFamily="49" charset="0"/>
-              <a:cs typeface="Consolas" pitchFamily="49" charset="0"/>
-            </a:endParaRPr>
+              <a:t>;; strategy: use template for Ball</a:t>
+            </a:r>
           </a:p>
           <a:p>
             <a:pPr>
@@ -5463,19 +5427,8 @@
                 <a:latin typeface="Consolas" pitchFamily="49" charset="0"/>
                 <a:cs typeface="Consolas" pitchFamily="49" charset="0"/>
               </a:rPr>
-              <a:t>;; strategy: </a:t>
-            </a:r>
-            <a:r>
-              <a:rPr lang="en-US" sz="2300" b="1" dirty="0" smtClean="0">
-                <a:latin typeface="Consolas" pitchFamily="49" charset="0"/>
-                <a:cs typeface="Consolas" pitchFamily="49" charset="0"/>
-              </a:rPr>
-              <a:t>combine simpler functions</a:t>
-            </a:r>
-            <a:endParaRPr lang="en-US" sz="2300" b="1" dirty="0" smtClean="0">
-              <a:latin typeface="Consolas" pitchFamily="49" charset="0"/>
-              <a:cs typeface="Consolas" pitchFamily="49" charset="0"/>
-            </a:endParaRPr>
+              <a:t>;; strategy: combine simpler functions</a:t>
+            </a:r>
           </a:p>
           <a:p>
             <a:pPr>
@@ -5569,15 +5522,7 @@
           <a:p>
             <a:r>
               <a:rPr lang="en-US" sz="2400" dirty="0" smtClean="0"/>
-              <a:t>Here’s a pair of examples. </a:t>
-            </a:r>
-            <a:r>
-              <a:rPr lang="en-US" sz="2400" dirty="0" smtClean="0"/>
-              <a:t>Which </a:t>
-            </a:r>
-            <a:r>
-              <a:rPr lang="en-US" sz="2400" dirty="0" smtClean="0"/>
-              <a:t>do you think is clearer?  Which looks easier to debug? Which would you like to have to defend in front of a TA?</a:t>
+              <a:t>Here’s a pair of examples. Which do you think is clearer?  Which looks easier to debug? Which would you like to have to defend in front of a TA?</a:t>
             </a:r>
             <a:endParaRPr lang="en-US" sz="2400" dirty="0"/>
           </a:p>
@@ -6055,13 +6000,8 @@
           <a:p>
             <a:r>
               <a:rPr lang="en-US" dirty="0" smtClean="0"/>
-              <a:t>We will start with the simplest design strategy: </a:t>
-            </a:r>
-            <a:r>
-              <a:rPr lang="en-US" dirty="0" smtClean="0"/>
-              <a:t>Combine Simpler Functions</a:t>
-            </a:r>
-            <a:endParaRPr lang="en-US" dirty="0" smtClean="0"/>
+              <a:t>We will start with the simplest design strategy: Combine Simpler Functions</a:t>
+            </a:r>
           </a:p>
         </p:txBody>
       </p:sp>
@@ -7429,11 +7369,7 @@
           <a:p>
             <a:r>
               <a:rPr lang="en-US" dirty="0" smtClean="0"/>
-              <a:t>Design Strategy #1: </a:t>
-            </a:r>
-            <a:r>
-              <a:rPr lang="en-US" dirty="0" smtClean="0"/>
-              <a:t>Combine Simpler Functions</a:t>
+              <a:t>Design Strategy #1: Combine Simpler Functions</a:t>
             </a:r>
             <a:endParaRPr lang="en-US" dirty="0"/>
           </a:p>
@@ -7458,7 +7394,6 @@
               <a:rPr lang="en-US" dirty="0" smtClean="0"/>
               <a:t>Many times the desired function can be described as a combination of simpler functions.</a:t>
             </a:r>
-            <a:endParaRPr lang="en-US" dirty="0" smtClean="0"/>
           </a:p>
           <a:p>
             <a:r>

--- a/Slides/Lesson 1.7 Combine Simpler Functions.pptx
+++ b/Slides/Lesson 1.7 Combine Simpler Functions.pptx
@@ -252,7 +252,7 @@
           <a:p>
             <a:fld id="{0FAC78B3-EDCE-4187-A1AE-28620314FA32}" type="datetimeFigureOut">
               <a:rPr lang="en-US" smtClean="0"/>
-              <a:t>8/4/2015</a:t>
+              <a:t>7/25/2016</a:t>
             </a:fld>
             <a:endParaRPr lang="en-US"/>
           </a:p>
@@ -316,38 +316,37 @@
           <a:p>
             <a:pPr lvl="0"/>
             <a:r>
-              <a:rPr lang="en-US" smtClean="0"/>
+              <a:rPr lang="en-US"/>
               <a:t>Click to edit Master text styles</a:t>
             </a:r>
           </a:p>
           <a:p>
             <a:pPr lvl="1"/>
             <a:r>
-              <a:rPr lang="en-US" smtClean="0"/>
+              <a:rPr lang="en-US"/>
               <a:t>Second level</a:t>
             </a:r>
           </a:p>
           <a:p>
             <a:pPr lvl="2"/>
             <a:r>
-              <a:rPr lang="en-US" smtClean="0"/>
+              <a:rPr lang="en-US"/>
               <a:t>Third level</a:t>
             </a:r>
           </a:p>
           <a:p>
             <a:pPr lvl="3"/>
             <a:r>
-              <a:rPr lang="en-US" smtClean="0"/>
+              <a:rPr lang="en-US"/>
               <a:t>Fourth level</a:t>
             </a:r>
           </a:p>
           <a:p>
             <a:pPr lvl="4"/>
             <a:r>
-              <a:rPr lang="en-US" smtClean="0"/>
+              <a:rPr lang="en-US"/>
               <a:t>Fifth level</a:t>
             </a:r>
-            <a:endParaRPr lang="en-US"/>
           </a:p>
         </p:txBody>
       </p:sp>
@@ -565,10 +564,9 @@
           <a:lstStyle/>
           <a:p>
             <a:r>
-              <a:rPr lang="en-US" dirty="0" smtClean="0"/>
+              <a:rPr lang="en-US" dirty="0"/>
               <a:t>Here is the function design recipe.  </a:t>
             </a:r>
-            <a:endParaRPr lang="en-US" dirty="0"/>
           </a:p>
         </p:txBody>
       </p:sp>
@@ -902,10 +900,9 @@
           <a:lstStyle/>
           <a:p>
             <a:r>
-              <a:rPr lang="en-US" smtClean="0"/>
+              <a:rPr lang="en-US"/>
               <a:t>Click to edit Master title style</a:t>
             </a:r>
-            <a:endParaRPr lang="en-US"/>
           </a:p>
         </p:txBody>
       </p:sp>
@@ -1021,10 +1018,9 @@
           </a:lstStyle>
           <a:p>
             <a:r>
-              <a:rPr lang="en-US" smtClean="0"/>
+              <a:rPr lang="en-US"/>
               <a:t>Click to edit Master subtitle style</a:t>
             </a:r>
-            <a:endParaRPr lang="en-US"/>
           </a:p>
         </p:txBody>
       </p:sp>
@@ -1045,7 +1041,7 @@
           <a:p>
             <a:fld id="{CA8B1E08-976E-451D-97C5-3D69BA983FFE}" type="datetime1">
               <a:rPr lang="en-US" smtClean="0"/>
-              <a:t>8/4/2015</a:t>
+              <a:t>7/25/2016</a:t>
             </a:fld>
             <a:endParaRPr lang="en-US"/>
           </a:p>
@@ -1099,13 +1095,6 @@
   <p:clrMapOvr>
     <a:masterClrMapping/>
   </p:clrMapOvr>
-  <p:timing>
-    <p:tnLst>
-      <p:par>
-        <p:cTn id="1" dur="indefinite" restart="never" nodeType="tmRoot"/>
-      </p:par>
-    </p:tnLst>
-  </p:timing>
 </p:sldLayout>
 </file>
 
@@ -1151,10 +1140,9 @@
           </a:lstStyle>
           <a:p>
             <a:r>
-              <a:rPr lang="en-US" smtClean="0"/>
+              <a:rPr lang="en-US"/>
               <a:t>Click to edit Master title style</a:t>
             </a:r>
-            <a:endParaRPr lang="en-US"/>
           </a:p>
         </p:txBody>
       </p:sp>
@@ -1278,7 +1266,7 @@
           <a:p>
             <a:pPr lvl="0"/>
             <a:r>
-              <a:rPr lang="en-US" smtClean="0"/>
+              <a:rPr lang="en-US"/>
               <a:t>Click to edit Master text styles</a:t>
             </a:r>
           </a:p>
@@ -1301,7 +1289,7 @@
           <a:p>
             <a:fld id="{F33D5BC8-75F3-411B-AA7E-18F2517CF048}" type="datetime1">
               <a:rPr lang="en-US" smtClean="0"/>
-              <a:t>8/4/2015</a:t>
+              <a:t>7/25/2016</a:t>
             </a:fld>
             <a:endParaRPr lang="en-US"/>
           </a:p>
@@ -1391,10 +1379,9 @@
           <a:lstStyle/>
           <a:p>
             <a:r>
-              <a:rPr lang="en-US" smtClean="0"/>
+              <a:rPr lang="en-US"/>
               <a:t>Click to edit Master title style</a:t>
             </a:r>
-            <a:endParaRPr lang="en-US"/>
           </a:p>
         </p:txBody>
       </p:sp>
@@ -1415,38 +1402,37 @@
           <a:p>
             <a:pPr lvl="0"/>
             <a:r>
-              <a:rPr lang="en-US" smtClean="0"/>
+              <a:rPr lang="en-US"/>
               <a:t>Click to edit Master text styles</a:t>
             </a:r>
           </a:p>
           <a:p>
             <a:pPr lvl="1"/>
             <a:r>
-              <a:rPr lang="en-US" smtClean="0"/>
+              <a:rPr lang="en-US"/>
               <a:t>Second level</a:t>
             </a:r>
           </a:p>
           <a:p>
             <a:pPr lvl="2"/>
             <a:r>
-              <a:rPr lang="en-US" smtClean="0"/>
+              <a:rPr lang="en-US"/>
               <a:t>Third level</a:t>
             </a:r>
           </a:p>
           <a:p>
             <a:pPr lvl="3"/>
             <a:r>
-              <a:rPr lang="en-US" smtClean="0"/>
+              <a:rPr lang="en-US"/>
               <a:t>Fourth level</a:t>
             </a:r>
           </a:p>
           <a:p>
             <a:pPr lvl="4"/>
             <a:r>
-              <a:rPr lang="en-US" smtClean="0"/>
+              <a:rPr lang="en-US"/>
               <a:t>Fifth level</a:t>
             </a:r>
-            <a:endParaRPr lang="en-US"/>
           </a:p>
         </p:txBody>
       </p:sp>
@@ -1467,7 +1453,7 @@
           <a:p>
             <a:fld id="{394448D4-AED6-43DB-A0F8-CD4938D2549C}" type="datetime1">
               <a:rPr lang="en-US" smtClean="0"/>
-              <a:t>8/4/2015</a:t>
+              <a:t>7/25/2016</a:t>
             </a:fld>
             <a:endParaRPr lang="en-US"/>
           </a:p>
@@ -1562,10 +1548,9 @@
           <a:lstStyle/>
           <a:p>
             <a:r>
-              <a:rPr lang="en-US" smtClean="0"/>
+              <a:rPr lang="en-US"/>
               <a:t>Click to edit Master title style</a:t>
             </a:r>
-            <a:endParaRPr lang="en-US"/>
           </a:p>
         </p:txBody>
       </p:sp>
@@ -1591,38 +1576,37 @@
           <a:p>
             <a:pPr lvl="0"/>
             <a:r>
-              <a:rPr lang="en-US" smtClean="0"/>
+              <a:rPr lang="en-US"/>
               <a:t>Click to edit Master text styles</a:t>
             </a:r>
           </a:p>
           <a:p>
             <a:pPr lvl="1"/>
             <a:r>
-              <a:rPr lang="en-US" smtClean="0"/>
+              <a:rPr lang="en-US"/>
               <a:t>Second level</a:t>
             </a:r>
           </a:p>
           <a:p>
             <a:pPr lvl="2"/>
             <a:r>
-              <a:rPr lang="en-US" smtClean="0"/>
+              <a:rPr lang="en-US"/>
               <a:t>Third level</a:t>
             </a:r>
           </a:p>
           <a:p>
             <a:pPr lvl="3"/>
             <a:r>
-              <a:rPr lang="en-US" smtClean="0"/>
+              <a:rPr lang="en-US"/>
               <a:t>Fourth level</a:t>
             </a:r>
           </a:p>
           <a:p>
             <a:pPr lvl="4"/>
             <a:r>
-              <a:rPr lang="en-US" smtClean="0"/>
+              <a:rPr lang="en-US"/>
               <a:t>Fifth level</a:t>
             </a:r>
-            <a:endParaRPr lang="en-US"/>
           </a:p>
         </p:txBody>
       </p:sp>
@@ -1643,7 +1627,7 @@
           <a:p>
             <a:fld id="{160CE893-3A38-428F-89AB-E97AD9CAA95E}" type="datetime1">
               <a:rPr lang="en-US" smtClean="0"/>
-              <a:t>8/4/2015</a:t>
+              <a:t>7/25/2016</a:t>
             </a:fld>
             <a:endParaRPr lang="en-US"/>
           </a:p>
@@ -1745,10 +1729,9 @@
           <a:lstStyle/>
           <a:p>
             <a:r>
-              <a:rPr lang="en-US" smtClean="0"/>
+              <a:rPr lang="en-US"/>
               <a:t>Click to edit Master title style</a:t>
             </a:r>
-            <a:endParaRPr lang="en-US"/>
           </a:p>
         </p:txBody>
       </p:sp>
@@ -1769,38 +1752,37 @@
           <a:p>
             <a:pPr lvl="0"/>
             <a:r>
-              <a:rPr lang="en-US" smtClean="0"/>
+              <a:rPr lang="en-US"/>
               <a:t>Click to edit Master text styles</a:t>
             </a:r>
           </a:p>
           <a:p>
             <a:pPr lvl="1"/>
             <a:r>
-              <a:rPr lang="en-US" smtClean="0"/>
+              <a:rPr lang="en-US"/>
               <a:t>Second level</a:t>
             </a:r>
           </a:p>
           <a:p>
             <a:pPr lvl="2"/>
             <a:r>
-              <a:rPr lang="en-US" smtClean="0"/>
+              <a:rPr lang="en-US"/>
               <a:t>Third level</a:t>
             </a:r>
           </a:p>
           <a:p>
             <a:pPr lvl="3"/>
             <a:r>
-              <a:rPr lang="en-US" smtClean="0"/>
+              <a:rPr lang="en-US"/>
               <a:t>Fourth level</a:t>
             </a:r>
           </a:p>
           <a:p>
             <a:pPr lvl="4"/>
             <a:r>
-              <a:rPr lang="en-US" smtClean="0"/>
+              <a:rPr lang="en-US"/>
               <a:t>Fifth level</a:t>
             </a:r>
-            <a:endParaRPr lang="en-US"/>
           </a:p>
         </p:txBody>
       </p:sp>
@@ -1821,7 +1803,7 @@
           <a:p>
             <a:fld id="{DC7A6930-E356-4864-92C1-40AC7A5201AA}" type="datetime1">
               <a:rPr lang="en-US" smtClean="0"/>
-              <a:t>8/4/2015</a:t>
+              <a:t>7/25/2016</a:t>
             </a:fld>
             <a:endParaRPr lang="en-US"/>
           </a:p>
@@ -1875,13 +1857,6 @@
   <p:clrMapOvr>
     <a:masterClrMapping/>
   </p:clrMapOvr>
-  <p:timing>
-    <p:tnLst>
-      <p:par>
-        <p:cTn id="1" dur="indefinite" restart="never" nodeType="tmRoot"/>
-      </p:par>
-    </p:tnLst>
-  </p:timing>
 </p:sldLayout>
 </file>
 
@@ -1918,10 +1893,9 @@
           <a:lstStyle/>
           <a:p>
             <a:r>
-              <a:rPr lang="en-US" smtClean="0"/>
+              <a:rPr lang="en-US"/>
               <a:t>Click to edit Master title style</a:t>
             </a:r>
-            <a:endParaRPr lang="en-US"/>
           </a:p>
         </p:txBody>
       </p:sp>
@@ -1950,38 +1924,37 @@
           <a:p>
             <a:pPr lvl="0"/>
             <a:r>
-              <a:rPr lang="en-US" dirty="0" smtClean="0"/>
+              <a:rPr lang="en-US" dirty="0"/>
               <a:t>Click to edit Master text styles</a:t>
             </a:r>
           </a:p>
           <a:p>
             <a:pPr lvl="1"/>
             <a:r>
-              <a:rPr lang="en-US" dirty="0" smtClean="0"/>
+              <a:rPr lang="en-US" dirty="0"/>
               <a:t>Second level</a:t>
             </a:r>
           </a:p>
           <a:p>
             <a:pPr lvl="2"/>
             <a:r>
-              <a:rPr lang="en-US" dirty="0" smtClean="0"/>
+              <a:rPr lang="en-US" dirty="0"/>
               <a:t>Third level</a:t>
             </a:r>
           </a:p>
           <a:p>
             <a:pPr lvl="3"/>
             <a:r>
-              <a:rPr lang="en-US" dirty="0" smtClean="0"/>
+              <a:rPr lang="en-US" dirty="0"/>
               <a:t>Fourth level</a:t>
             </a:r>
           </a:p>
           <a:p>
             <a:pPr lvl="4"/>
             <a:r>
-              <a:rPr lang="en-US" dirty="0" smtClean="0"/>
+              <a:rPr lang="en-US" dirty="0"/>
               <a:t>Fifth level</a:t>
             </a:r>
-            <a:endParaRPr lang="en-US" dirty="0"/>
           </a:p>
         </p:txBody>
       </p:sp>
@@ -2002,7 +1975,7 @@
           <a:p>
             <a:fld id="{45C1EE53-8F27-4821-8161-190499C0D007}" type="datetime1">
               <a:rPr lang="en-US" smtClean="0"/>
-              <a:t>8/4/2015</a:t>
+              <a:t>7/25/2016</a:t>
             </a:fld>
             <a:endParaRPr lang="en-US"/>
           </a:p>
@@ -2060,13 +2033,6 @@
   <p:clrMapOvr>
     <a:masterClrMapping/>
   </p:clrMapOvr>
-  <p:timing>
-    <p:tnLst>
-      <p:par>
-        <p:cTn id="1" dur="indefinite" restart="never" nodeType="tmRoot"/>
-      </p:par>
-    </p:tnLst>
-  </p:timing>
 </p:sldLayout>
 </file>
 
@@ -2112,10 +2078,9 @@
           </a:lstStyle>
           <a:p>
             <a:r>
-              <a:rPr lang="en-US" smtClean="0"/>
+              <a:rPr lang="en-US"/>
               <a:t>Click to edit Master title style</a:t>
             </a:r>
-            <a:endParaRPr lang="en-US"/>
           </a:p>
         </p:txBody>
       </p:sp>
@@ -2232,7 +2197,7 @@
           <a:p>
             <a:pPr lvl="0"/>
             <a:r>
-              <a:rPr lang="en-US" smtClean="0"/>
+              <a:rPr lang="en-US"/>
               <a:t>Click to edit Master text styles</a:t>
             </a:r>
           </a:p>
@@ -2255,7 +2220,7 @@
           <a:p>
             <a:fld id="{0D423975-99FA-4807-B1B4-A59DEFED898A}" type="datetime1">
               <a:rPr lang="en-US" smtClean="0"/>
-              <a:t>8/4/2015</a:t>
+              <a:t>7/25/2016</a:t>
             </a:fld>
             <a:endParaRPr lang="en-US"/>
           </a:p>
@@ -2345,10 +2310,9 @@
           <a:lstStyle/>
           <a:p>
             <a:r>
-              <a:rPr lang="en-US" smtClean="0"/>
+              <a:rPr lang="en-US"/>
               <a:t>Click to edit Master title style</a:t>
             </a:r>
-            <a:endParaRPr lang="en-US"/>
           </a:p>
         </p:txBody>
       </p:sp>
@@ -2402,38 +2366,37 @@
           <a:p>
             <a:pPr lvl="0"/>
             <a:r>
-              <a:rPr lang="en-US" smtClean="0"/>
+              <a:rPr lang="en-US"/>
               <a:t>Click to edit Master text styles</a:t>
             </a:r>
           </a:p>
           <a:p>
             <a:pPr lvl="1"/>
             <a:r>
-              <a:rPr lang="en-US" smtClean="0"/>
+              <a:rPr lang="en-US"/>
               <a:t>Second level</a:t>
             </a:r>
           </a:p>
           <a:p>
             <a:pPr lvl="2"/>
             <a:r>
-              <a:rPr lang="en-US" smtClean="0"/>
+              <a:rPr lang="en-US"/>
               <a:t>Third level</a:t>
             </a:r>
           </a:p>
           <a:p>
             <a:pPr lvl="3"/>
             <a:r>
-              <a:rPr lang="en-US" smtClean="0"/>
+              <a:rPr lang="en-US"/>
               <a:t>Fourth level</a:t>
             </a:r>
           </a:p>
           <a:p>
             <a:pPr lvl="4"/>
             <a:r>
-              <a:rPr lang="en-US" smtClean="0"/>
+              <a:rPr lang="en-US"/>
               <a:t>Fifth level</a:t>
             </a:r>
-            <a:endParaRPr lang="en-US"/>
           </a:p>
         </p:txBody>
       </p:sp>
@@ -2487,38 +2450,37 @@
           <a:p>
             <a:pPr lvl="0"/>
             <a:r>
-              <a:rPr lang="en-US" smtClean="0"/>
+              <a:rPr lang="en-US"/>
               <a:t>Click to edit Master text styles</a:t>
             </a:r>
           </a:p>
           <a:p>
             <a:pPr lvl="1"/>
             <a:r>
-              <a:rPr lang="en-US" smtClean="0"/>
+              <a:rPr lang="en-US"/>
               <a:t>Second level</a:t>
             </a:r>
           </a:p>
           <a:p>
             <a:pPr lvl="2"/>
             <a:r>
-              <a:rPr lang="en-US" smtClean="0"/>
+              <a:rPr lang="en-US"/>
               <a:t>Third level</a:t>
             </a:r>
           </a:p>
           <a:p>
             <a:pPr lvl="3"/>
             <a:r>
-              <a:rPr lang="en-US" smtClean="0"/>
+              <a:rPr lang="en-US"/>
               <a:t>Fourth level</a:t>
             </a:r>
           </a:p>
           <a:p>
             <a:pPr lvl="4"/>
             <a:r>
-              <a:rPr lang="en-US" smtClean="0"/>
+              <a:rPr lang="en-US"/>
               <a:t>Fifth level</a:t>
             </a:r>
-            <a:endParaRPr lang="en-US"/>
           </a:p>
         </p:txBody>
       </p:sp>
@@ -2539,7 +2501,7 @@
           <a:p>
             <a:fld id="{90F7752F-4922-4BAA-9C20-D4DAF4ED08B5}" type="datetime1">
               <a:rPr lang="en-US" smtClean="0"/>
-              <a:t>8/4/2015</a:t>
+              <a:t>7/25/2016</a:t>
             </a:fld>
             <a:endParaRPr lang="en-US"/>
           </a:p>
@@ -2593,13 +2555,6 @@
   <p:clrMapOvr>
     <a:masterClrMapping/>
   </p:clrMapOvr>
-  <p:timing>
-    <p:tnLst>
-      <p:par>
-        <p:cTn id="1" dur="indefinite" restart="never" nodeType="tmRoot"/>
-      </p:par>
-    </p:tnLst>
-  </p:timing>
 </p:sldLayout>
 </file>
 
@@ -2640,10 +2595,9 @@
           </a:lstStyle>
           <a:p>
             <a:r>
-              <a:rPr lang="en-US" smtClean="0"/>
+              <a:rPr lang="en-US"/>
               <a:t>Click to edit Master title style</a:t>
             </a:r>
-            <a:endParaRPr lang="en-US"/>
           </a:p>
         </p:txBody>
       </p:sp>
@@ -2706,7 +2660,7 @@
           <a:p>
             <a:pPr lvl="0"/>
             <a:r>
-              <a:rPr lang="en-US" smtClean="0"/>
+              <a:rPr lang="en-US"/>
               <a:t>Click to edit Master text styles</a:t>
             </a:r>
           </a:p>
@@ -2762,38 +2716,37 @@
           <a:p>
             <a:pPr lvl="0"/>
             <a:r>
-              <a:rPr lang="en-US" smtClean="0"/>
+              <a:rPr lang="en-US"/>
               <a:t>Click to edit Master text styles</a:t>
             </a:r>
           </a:p>
           <a:p>
             <a:pPr lvl="1"/>
             <a:r>
-              <a:rPr lang="en-US" smtClean="0"/>
+              <a:rPr lang="en-US"/>
               <a:t>Second level</a:t>
             </a:r>
           </a:p>
           <a:p>
             <a:pPr lvl="2"/>
             <a:r>
-              <a:rPr lang="en-US" smtClean="0"/>
+              <a:rPr lang="en-US"/>
               <a:t>Third level</a:t>
             </a:r>
           </a:p>
           <a:p>
             <a:pPr lvl="3"/>
             <a:r>
-              <a:rPr lang="en-US" smtClean="0"/>
+              <a:rPr lang="en-US"/>
               <a:t>Fourth level</a:t>
             </a:r>
           </a:p>
           <a:p>
             <a:pPr lvl="4"/>
             <a:r>
-              <a:rPr lang="en-US" smtClean="0"/>
+              <a:rPr lang="en-US"/>
               <a:t>Fifth level</a:t>
             </a:r>
-            <a:endParaRPr lang="en-US"/>
           </a:p>
         </p:txBody>
       </p:sp>
@@ -2856,7 +2809,7 @@
           <a:p>
             <a:pPr lvl="0"/>
             <a:r>
-              <a:rPr lang="en-US" smtClean="0"/>
+              <a:rPr lang="en-US"/>
               <a:t>Click to edit Master text styles</a:t>
             </a:r>
           </a:p>
@@ -2912,38 +2865,37 @@
           <a:p>
             <a:pPr lvl="0"/>
             <a:r>
-              <a:rPr lang="en-US" smtClean="0"/>
+              <a:rPr lang="en-US"/>
               <a:t>Click to edit Master text styles</a:t>
             </a:r>
           </a:p>
           <a:p>
             <a:pPr lvl="1"/>
             <a:r>
-              <a:rPr lang="en-US" smtClean="0"/>
+              <a:rPr lang="en-US"/>
               <a:t>Second level</a:t>
             </a:r>
           </a:p>
           <a:p>
             <a:pPr lvl="2"/>
             <a:r>
-              <a:rPr lang="en-US" smtClean="0"/>
+              <a:rPr lang="en-US"/>
               <a:t>Third level</a:t>
             </a:r>
           </a:p>
           <a:p>
             <a:pPr lvl="3"/>
             <a:r>
-              <a:rPr lang="en-US" smtClean="0"/>
+              <a:rPr lang="en-US"/>
               <a:t>Fourth level</a:t>
             </a:r>
           </a:p>
           <a:p>
             <a:pPr lvl="4"/>
             <a:r>
-              <a:rPr lang="en-US" smtClean="0"/>
+              <a:rPr lang="en-US"/>
               <a:t>Fifth level</a:t>
             </a:r>
-            <a:endParaRPr lang="en-US"/>
           </a:p>
         </p:txBody>
       </p:sp>
@@ -2964,7 +2916,7 @@
           <a:p>
             <a:fld id="{3536A633-E76F-4E07-A3AE-A7A784889AE2}" type="datetime1">
               <a:rPr lang="en-US" smtClean="0"/>
-              <a:t>8/4/2015</a:t>
+              <a:t>7/25/2016</a:t>
             </a:fld>
             <a:endParaRPr lang="en-US"/>
           </a:p>
@@ -3054,10 +3006,9 @@
           <a:lstStyle/>
           <a:p>
             <a:r>
-              <a:rPr lang="en-US" smtClean="0"/>
+              <a:rPr lang="en-US"/>
               <a:t>Click to edit Master title style</a:t>
             </a:r>
-            <a:endParaRPr lang="en-US"/>
           </a:p>
         </p:txBody>
       </p:sp>
@@ -3078,7 +3029,7 @@
           <a:p>
             <a:fld id="{61CB5BDE-D72B-4A3A-925B-2A5C22F639AF}" type="datetime1">
               <a:rPr lang="en-US" smtClean="0"/>
-              <a:t>8/4/2015</a:t>
+              <a:t>7/25/2016</a:t>
             </a:fld>
             <a:endParaRPr lang="en-US"/>
           </a:p>
@@ -3169,7 +3120,7 @@
           <a:p>
             <a:fld id="{A24C7B69-131B-4374-A9CC-0845A85B9B89}" type="datetime1">
               <a:rPr lang="en-US" smtClean="0"/>
-              <a:t>8/4/2015</a:t>
+              <a:t>7/25/2016</a:t>
             </a:fld>
             <a:endParaRPr lang="en-US"/>
           </a:p>
@@ -3223,13 +3174,6 @@
   <p:clrMapOvr>
     <a:masterClrMapping/>
   </p:clrMapOvr>
-  <p:timing>
-    <p:tnLst>
-      <p:par>
-        <p:cTn id="1" dur="indefinite" restart="never" nodeType="tmRoot"/>
-      </p:par>
-    </p:tnLst>
-  </p:timing>
 </p:sldLayout>
 </file>
 
@@ -3275,10 +3219,9 @@
           </a:lstStyle>
           <a:p>
             <a:r>
-              <a:rPr lang="en-US" smtClean="0"/>
+              <a:rPr lang="en-US"/>
               <a:t>Click to edit Master title style</a:t>
             </a:r>
-            <a:endParaRPr lang="en-US"/>
           </a:p>
         </p:txBody>
       </p:sp>
@@ -3332,38 +3275,37 @@
           <a:p>
             <a:pPr lvl="0"/>
             <a:r>
-              <a:rPr lang="en-US" smtClean="0"/>
+              <a:rPr lang="en-US"/>
               <a:t>Click to edit Master text styles</a:t>
             </a:r>
           </a:p>
           <a:p>
             <a:pPr lvl="1"/>
             <a:r>
-              <a:rPr lang="en-US" smtClean="0"/>
+              <a:rPr lang="en-US"/>
               <a:t>Second level</a:t>
             </a:r>
           </a:p>
           <a:p>
             <a:pPr lvl="2"/>
             <a:r>
-              <a:rPr lang="en-US" smtClean="0"/>
+              <a:rPr lang="en-US"/>
               <a:t>Third level</a:t>
             </a:r>
           </a:p>
           <a:p>
             <a:pPr lvl="3"/>
             <a:r>
-              <a:rPr lang="en-US" smtClean="0"/>
+              <a:rPr lang="en-US"/>
               <a:t>Fourth level</a:t>
             </a:r>
           </a:p>
           <a:p>
             <a:pPr lvl="4"/>
             <a:r>
-              <a:rPr lang="en-US" smtClean="0"/>
+              <a:rPr lang="en-US"/>
               <a:t>Fifth level</a:t>
             </a:r>
-            <a:endParaRPr lang="en-US"/>
           </a:p>
         </p:txBody>
       </p:sp>
@@ -3426,7 +3368,7 @@
           <a:p>
             <a:pPr lvl="0"/>
             <a:r>
-              <a:rPr lang="en-US" smtClean="0"/>
+              <a:rPr lang="en-US"/>
               <a:t>Click to edit Master text styles</a:t>
             </a:r>
           </a:p>
@@ -3449,7 +3391,7 @@
           <a:p>
             <a:fld id="{2F57E60E-10B6-4F85-8F8E-D3A8141030E0}" type="datetime1">
               <a:rPr lang="en-US" smtClean="0"/>
-              <a:t>8/4/2015</a:t>
+              <a:t>7/25/2016</a:t>
             </a:fld>
             <a:endParaRPr lang="en-US"/>
           </a:p>
@@ -3554,10 +3496,9 @@
           <a:lstStyle/>
           <a:p>
             <a:r>
-              <a:rPr lang="en-US" smtClean="0"/>
+              <a:rPr lang="en-US"/>
               <a:t>Click to edit Master title style</a:t>
             </a:r>
-            <a:endParaRPr lang="en-US"/>
           </a:p>
         </p:txBody>
       </p:sp>
@@ -3588,38 +3529,37 @@
           <a:p>
             <a:pPr lvl="0"/>
             <a:r>
-              <a:rPr lang="en-US" smtClean="0"/>
+              <a:rPr lang="en-US"/>
               <a:t>Click to edit Master text styles</a:t>
             </a:r>
           </a:p>
           <a:p>
             <a:pPr lvl="1"/>
             <a:r>
-              <a:rPr lang="en-US" smtClean="0"/>
+              <a:rPr lang="en-US"/>
               <a:t>Second level</a:t>
             </a:r>
           </a:p>
           <a:p>
             <a:pPr lvl="2"/>
             <a:r>
-              <a:rPr lang="en-US" smtClean="0"/>
+              <a:rPr lang="en-US"/>
               <a:t>Third level</a:t>
             </a:r>
           </a:p>
           <a:p>
             <a:pPr lvl="3"/>
             <a:r>
-              <a:rPr lang="en-US" smtClean="0"/>
+              <a:rPr lang="en-US"/>
               <a:t>Fourth level</a:t>
             </a:r>
           </a:p>
           <a:p>
             <a:pPr lvl="4"/>
             <a:r>
-              <a:rPr lang="en-US" smtClean="0"/>
+              <a:rPr lang="en-US"/>
               <a:t>Fifth level</a:t>
             </a:r>
-            <a:endParaRPr lang="en-US"/>
           </a:p>
         </p:txBody>
       </p:sp>
@@ -3658,7 +3598,7 @@
           <a:p>
             <a:fld id="{8684A8BA-DEEC-47D2-87F9-8204232D7DB8}" type="datetime1">
               <a:rPr lang="en-US" smtClean="0"/>
-              <a:t>8/4/2015</a:t>
+              <a:t>7/25/2016</a:t>
             </a:fld>
             <a:endParaRPr lang="en-US"/>
           </a:p>
@@ -3760,13 +3700,6 @@
     <p:sldLayoutId id="2147483658" r:id="rId11"/>
     <p:sldLayoutId id="2147483659" r:id="rId12"/>
   </p:sldLayoutIdLst>
-  <p:timing>
-    <p:tnLst>
-      <p:par>
-        <p:cTn id="1" dur="indefinite" restart="never" nodeType="tmRoot"/>
-      </p:par>
-    </p:tnLst>
-  </p:timing>
   <p:hf hdr="0" ftr="0" dt="0"/>
   <p:txStyles>
     <p:titleStyle>
@@ -4048,16 +3981,23 @@
             <p:ph type="ctrTitle"/>
           </p:nvPr>
         </p:nvSpPr>
-        <p:spPr/>
-        <p:txBody>
-          <a:bodyPr/>
-          <a:lstStyle/>
-          <a:p>
-            <a:r>
-              <a:rPr lang="en-US" dirty="0" smtClean="0"/>
+        <p:spPr>
+          <a:ln w="28575">
+            <a:solidFill>
+              <a:schemeClr val="accent1"/>
+            </a:solidFill>
+          </a:ln>
+        </p:spPr>
+        <p:txBody>
+          <a:bodyPr vert="horz" lIns="91440" tIns="45720" rIns="91440" bIns="45720" rtlCol="0" anchor="ctr">
+            <a:normAutofit/>
+          </a:bodyPr>
+          <a:lstStyle/>
+          <a:p>
+            <a:r>
+              <a:rPr lang="en-US" dirty="0"/>
               <a:t>Design Strategies 1: Combine Simpler Functions</a:t>
             </a:r>
-            <a:endParaRPr lang="en-US" dirty="0"/>
           </a:p>
         </p:txBody>
       </p:sp>
@@ -4092,13 +4032,8 @@
           <a:p>
             <a:r>
               <a:rPr lang="en-US" dirty="0"/>
-              <a:t>Lesson </a:t>
-            </a:r>
-            <a:r>
-              <a:rPr lang="en-US" dirty="0" smtClean="0"/>
-              <a:t>1.7</a:t>
-            </a:r>
-            <a:endParaRPr lang="en-US" dirty="0"/>
+              <a:t>Lesson 1.7</a:t>
+            </a:r>
           </a:p>
           <a:p>
             <a:endParaRPr lang="en-US" dirty="0"/>
@@ -4197,27 +4132,13 @@
             <a:p>
               <a:r>
                 <a:rPr lang="en-US" sz="1000" dirty="0"/>
-                <a:t>© Mitchell Wand, </a:t>
-              </a:r>
-              <a:r>
-                <a:rPr lang="en-US" sz="1000" dirty="0" smtClean="0"/>
-                <a:t>2012-2015</a:t>
+                <a:t>© Mitchell Wand, 2012-2015</a:t>
               </a:r>
             </a:p>
             <a:p>
               <a:r>
-                <a:rPr lang="en-US" sz="1000" dirty="0" smtClean="0"/>
+                <a:rPr lang="en-US" sz="1000" dirty="0"/>
                 <a:t>This work is licensed under a </a:t>
-              </a:r>
-              <a:r>
-                <a:rPr lang="en-US" altLang="en-US" sz="1000" dirty="0" smtClean="0">
-                  <a:solidFill>
-                    <a:srgbClr val="4374B7"/>
-                  </a:solidFill>
-                  <a:latin typeface="Helvetica Neue"/>
-                  <a:hlinkClick r:id="rId3"/>
-                </a:rPr>
-                <a:t>Creative </a:t>
               </a:r>
               <a:r>
                 <a:rPr lang="en-US" altLang="en-US" sz="1000" dirty="0">
@@ -4227,7 +4148,7 @@
                   <a:latin typeface="Helvetica Neue"/>
                   <a:hlinkClick r:id="rId3"/>
                 </a:rPr>
-                <a:t>Commons Attribution-</a:t>
+                <a:t>Creative Commons Attribution-</a:t>
               </a:r>
               <a:r>
                 <a:rPr lang="en-US" altLang="en-US" sz="1000" dirty="0" err="1">
@@ -4250,10 +4171,9 @@
                 <a:t> 4.0 International License</a:t>
               </a:r>
               <a:r>
-                <a:rPr lang="en-US" sz="1000" dirty="0" smtClean="0"/>
+                <a:rPr lang="en-US" sz="1000" dirty="0"/>
                 <a:t>.</a:t>
               </a:r>
-              <a:endParaRPr lang="en-US" sz="1000" dirty="0"/>
             </a:p>
           </p:txBody>
         </p:sp>
@@ -4268,13 +4188,6 @@
   <p:clrMapOvr>
     <a:masterClrMapping/>
   </p:clrMapOvr>
-  <p:timing>
-    <p:tnLst>
-      <p:par>
-        <p:cTn id="1" dur="indefinite" restart="never" nodeType="tmRoot"/>
-      </p:par>
-    </p:tnLst>
-  </p:timing>
 </p:sld>
 </file>
 
@@ -4311,10 +4224,9 @@
           <a:lstStyle/>
           <a:p>
             <a:r>
-              <a:rPr lang="en-US" dirty="0" smtClean="0"/>
+              <a:rPr lang="en-US" dirty="0"/>
               <a:t>Another example: area-of-ring</a:t>
             </a:r>
-            <a:endParaRPr lang="en-US" dirty="0"/>
           </a:p>
         </p:txBody>
       </p:sp>
@@ -4334,22 +4246,21 @@
           <a:lstStyle/>
           <a:p>
             <a:r>
-              <a:rPr lang="en-US" dirty="0" smtClean="0"/>
+              <a:rPr lang="en-US" dirty="0"/>
               <a:t>Sometimes the simpler functions may include ones you write yourself.</a:t>
             </a:r>
           </a:p>
           <a:p>
             <a:r>
-              <a:rPr lang="en-US" dirty="0" smtClean="0"/>
+              <a:rPr lang="en-US" dirty="0"/>
               <a:t>Here’s an example: area-of-ring, which calls area-of-circle.</a:t>
             </a:r>
           </a:p>
           <a:p>
             <a:r>
-              <a:rPr lang="en-US" dirty="0" smtClean="0"/>
+              <a:rPr lang="en-US" dirty="0"/>
               <a:t>Both of these are defined by combining simpler functions.</a:t>
             </a:r>
-            <a:endParaRPr lang="en-US" dirty="0"/>
           </a:p>
         </p:txBody>
       </p:sp>
@@ -4423,10 +4334,9 @@
           <a:lstStyle/>
           <a:p>
             <a:r>
-              <a:rPr lang="en-US" dirty="0" smtClean="0"/>
+              <a:rPr lang="en-US" dirty="0"/>
               <a:t>Video: area-of-ring</a:t>
             </a:r>
-            <a:endParaRPr lang="en-US" dirty="0"/>
           </a:p>
         </p:txBody>
       </p:sp>
@@ -4527,18 +4437,17 @@
           <a:lstStyle/>
           <a:p>
             <a:r>
-              <a:rPr lang="en-US" sz="1600" dirty="0" smtClean="0"/>
+              <a:rPr lang="en-US" sz="1600" dirty="0"/>
               <a:t>I should have used Real (or </a:t>
             </a:r>
             <a:r>
-              <a:rPr lang="en-US" sz="1600" dirty="0" err="1" smtClean="0"/>
+              <a:rPr lang="en-US" sz="1600" dirty="0" err="1"/>
               <a:t>NonNegReal</a:t>
             </a:r>
             <a:r>
-              <a:rPr lang="en-US" sz="1600" dirty="0" smtClean="0"/>
+              <a:rPr lang="en-US" sz="1600" dirty="0"/>
               <a:t>) here, too.</a:t>
             </a:r>
-            <a:endParaRPr lang="en-US" sz="1600" dirty="0"/>
           </a:p>
         </p:txBody>
       </p:sp>
@@ -4565,7 +4474,7 @@
           <a:lstStyle/>
           <a:p>
             <a:r>
-              <a:rPr lang="en-US" dirty="0" smtClean="0">
+              <a:rPr lang="en-US" dirty="0">
                 <a:hlinkClick r:id="rId4"/>
               </a:rPr>
               <a:t>YouTube link</a:t>
@@ -4584,13 +4493,6 @@
   <p:clrMapOvr>
     <a:masterClrMapping/>
   </p:clrMapOvr>
-  <p:timing>
-    <p:tnLst>
-      <p:par>
-        <p:cTn id="1" dur="indefinite" restart="never" nodeType="tmRoot"/>
-      </p:par>
-    </p:tnLst>
-  </p:timing>
 </p:sld>
 </file>
 
@@ -4629,14 +4531,9 @@
           <a:lstStyle/>
           <a:p>
             <a:r>
-              <a:rPr lang="en-US" dirty="0" smtClean="0"/>
-              <a:t>What can you write in a </a:t>
-            </a:r>
-            <a:r>
-              <a:rPr lang="en-US" dirty="0" smtClean="0"/>
-              <a:t>combination of simpler functions?</a:t>
-            </a:r>
-            <a:endParaRPr lang="en-US" dirty="0"/>
+              <a:rPr lang="en-US" dirty="0"/>
+              <a:t>What can you write in a combination of simpler functions?</a:t>
+            </a:r>
           </a:p>
         </p:txBody>
       </p:sp>
@@ -4658,23 +4555,21 @@
           <a:lstStyle/>
           <a:p>
             <a:r>
-              <a:rPr lang="en-US" dirty="0" smtClean="0"/>
+              <a:rPr lang="en-US" dirty="0"/>
               <a:t>Remember that the goal is to write beautiful programs.</a:t>
             </a:r>
           </a:p>
           <a:p>
             <a:r>
-              <a:rPr lang="en-US" dirty="0" smtClean="0"/>
+              <a:rPr lang="en-US" dirty="0"/>
               <a:t>You want your reader to understand what you’re doing immediately.</a:t>
             </a:r>
-            <a:endParaRPr lang="en-US" dirty="0"/>
-          </a:p>
-          <a:p>
-            <a:r>
-              <a:rPr lang="en-US" dirty="0" smtClean="0"/>
+          </a:p>
+          <a:p>
+            <a:r>
+              <a:rPr lang="en-US" dirty="0"/>
               <a:t>So just keep it simple.</a:t>
             </a:r>
-            <a:endParaRPr lang="en-US" dirty="0"/>
           </a:p>
           <a:p>
             <a:r>
@@ -4684,36 +4579,36 @@
           </a:p>
           <a:p>
             <a:r>
-              <a:rPr lang="en-US" dirty="0" smtClean="0"/>
+              <a:rPr lang="en-US" dirty="0"/>
               <a:t>If the TA needs you to explain it, it’s not simple enough.</a:t>
             </a:r>
           </a:p>
           <a:p>
             <a:r>
-              <a:rPr lang="en-US" dirty="0" smtClean="0"/>
+              <a:rPr lang="en-US" dirty="0"/>
               <a:t>Anything with an </a:t>
             </a:r>
             <a:r>
-              <a:rPr lang="en-US" b="1" dirty="0" smtClean="0"/>
+              <a:rPr lang="en-US" b="1" dirty="0"/>
               <a:t>if</a:t>
             </a:r>
             <a:r>
-              <a:rPr lang="en-US" dirty="0" smtClean="0"/>
+              <a:rPr lang="en-US" dirty="0"/>
               <a:t> is probably not simple enough. </a:t>
             </a:r>
           </a:p>
           <a:p>
             <a:pPr lvl="1"/>
             <a:r>
-              <a:rPr lang="en-US" dirty="0" smtClean="0"/>
+              <a:rPr lang="en-US" dirty="0"/>
               <a:t>If you need an </a:t>
             </a:r>
             <a:r>
-              <a:rPr lang="en-US" b="1" dirty="0" smtClean="0"/>
+              <a:rPr lang="en-US" b="1" dirty="0"/>
               <a:t>if</a:t>
             </a:r>
             <a:r>
-              <a:rPr lang="en-US" dirty="0" smtClean="0"/>
+              <a:rPr lang="en-US" dirty="0"/>
               <a:t>, that’s a sign that you’re using a fancier design strategy.  We’ll talk about these very soon.</a:t>
             </a:r>
           </a:p>
@@ -4789,10 +4684,9 @@
           <a:lstStyle/>
           <a:p>
             <a:r>
-              <a:rPr lang="en-US" dirty="0" smtClean="0"/>
+              <a:rPr lang="en-US" dirty="0"/>
               <a:t>Keep it short!</a:t>
             </a:r>
-            <a:endParaRPr lang="en-US" dirty="0"/>
           </a:p>
         </p:txBody>
       </p:sp>
@@ -4814,34 +4708,34 @@
           <a:lstStyle/>
           <a:p>
             <a:r>
-              <a:rPr lang="en-US" dirty="0" smtClean="0"/>
+              <a:rPr lang="en-US" dirty="0"/>
               <a:t>“Combining simpler functions” is for very short definitions only.</a:t>
             </a:r>
           </a:p>
           <a:p>
             <a:r>
-              <a:rPr lang="en-US" dirty="0" smtClean="0"/>
+              <a:rPr lang="en-US" dirty="0"/>
               <a:t>If you’re writing something complicated, that means one of two things:</a:t>
             </a:r>
           </a:p>
           <a:p>
             <a:pPr lvl="1"/>
             <a:r>
-              <a:rPr lang="en-US" dirty="0" smtClean="0"/>
+              <a:rPr lang="en-US" dirty="0"/>
               <a:t>You’re really using some more powerful design strategy (to be discussed)</a:t>
             </a:r>
           </a:p>
           <a:p>
             <a:pPr lvl="1"/>
             <a:r>
-              <a:rPr lang="en-US" dirty="0" smtClean="0"/>
+              <a:rPr lang="en-US" dirty="0"/>
               <a:t>Your function needs to be split into simpler parts.</a:t>
             </a:r>
           </a:p>
           <a:p>
             <a:pPr lvl="2"/>
             <a:r>
-              <a:rPr lang="en-US" dirty="0" smtClean="0"/>
+              <a:rPr lang="en-US" dirty="0"/>
               <a:t>If you have complicated stuff in your function you must have put it there for a reason.  Turn it into a separate function so you can explain and test it.</a:t>
             </a:r>
           </a:p>
@@ -4881,13 +4775,6 @@
   <p:clrMapOvr>
     <a:masterClrMapping/>
   </p:clrMapOvr>
-  <p:timing>
-    <p:tnLst>
-      <p:par>
-        <p:cTn id="1" dur="indefinite" restart="never" nodeType="tmRoot"/>
-      </p:par>
-    </p:tnLst>
-  </p:timing>
 </p:sld>
 </file>
 
@@ -4926,10 +4813,9 @@
           <a:lstStyle/>
           <a:p>
             <a:r>
-              <a:rPr lang="en-US" dirty="0" smtClean="0"/>
+              <a:rPr lang="en-US" dirty="0"/>
               <a:t>When do you need to introduce new functions?</a:t>
             </a:r>
-            <a:endParaRPr lang="en-US" dirty="0"/>
           </a:p>
         </p:txBody>
       </p:sp>
@@ -4949,16 +4835,15 @@
           <a:lstStyle/>
           <a:p>
             <a:r>
-              <a:rPr lang="en-US" dirty="0" smtClean="0"/>
+              <a:rPr lang="en-US" dirty="0"/>
               <a:t>If a function has pieces that can be given meaningful contracts and purpose statements, then break it up and use function composition.</a:t>
             </a:r>
           </a:p>
           <a:p>
             <a:r>
-              <a:rPr lang="en-US" dirty="0" smtClean="0"/>
+              <a:rPr lang="en-US" dirty="0"/>
               <a:t>Then apply the design recipe to design the pieces.</a:t>
             </a:r>
-            <a:endParaRPr lang="en-US" dirty="0"/>
           </a:p>
         </p:txBody>
       </p:sp>
@@ -4996,13 +4881,6 @@
   <p:clrMapOvr>
     <a:masterClrMapping/>
   </p:clrMapOvr>
-  <p:timing>
-    <p:tnLst>
-      <p:par>
-        <p:cTn id="1" dur="indefinite" restart="never" nodeType="tmRoot"/>
-      </p:par>
-    </p:tnLst>
-  </p:timing>
 </p:sld>
 </file>
 
@@ -5053,10 +4931,9 @@
           <a:lstStyle/>
           <a:p>
             <a:r>
-              <a:rPr lang="en-US" dirty="0" smtClean="0"/>
+              <a:rPr lang="en-US" dirty="0"/>
               <a:t>Bad Example</a:t>
             </a:r>
-            <a:endParaRPr lang="en-US" dirty="0"/>
           </a:p>
         </p:txBody>
       </p:sp>
@@ -5086,7 +4963,7 @@
               <a:buNone/>
             </a:pPr>
             <a:r>
-              <a:rPr lang="en-US" sz="2300" b="1" dirty="0" smtClean="0">
+              <a:rPr lang="en-US" sz="2300" b="1" dirty="0">
                 <a:latin typeface="Consolas" pitchFamily="49" charset="0"/>
                 <a:cs typeface="Consolas" pitchFamily="49" charset="0"/>
               </a:rPr>
@@ -5098,7 +4975,7 @@
               <a:buNone/>
             </a:pPr>
             <a:r>
-              <a:rPr lang="en-US" sz="2300" b="1" dirty="0" smtClean="0">
+              <a:rPr lang="en-US" sz="2300" b="1" dirty="0">
                 <a:latin typeface="Consolas" pitchFamily="49" charset="0"/>
                 <a:cs typeface="Consolas" pitchFamily="49" charset="0"/>
               </a:rPr>
@@ -5110,7 +4987,7 @@
               <a:buNone/>
             </a:pPr>
             <a:r>
-              <a:rPr lang="en-US" sz="2300" b="1" dirty="0" smtClean="0">
+              <a:rPr lang="en-US" sz="2300" b="1" dirty="0">
                 <a:latin typeface="Consolas" pitchFamily="49" charset="0"/>
                 <a:cs typeface="Consolas" pitchFamily="49" charset="0"/>
               </a:rPr>
@@ -5122,7 +4999,7 @@
               <a:buNone/>
             </a:pPr>
             <a:r>
-              <a:rPr lang="en-US" sz="2300" b="1" dirty="0" smtClean="0">
+              <a:rPr lang="en-US" sz="2300" b="1" dirty="0">
                 <a:latin typeface="Consolas" pitchFamily="49" charset="0"/>
                 <a:cs typeface="Consolas" pitchFamily="49" charset="0"/>
               </a:rPr>
@@ -5134,7 +5011,7 @@
               <a:buNone/>
             </a:pPr>
             <a:r>
-              <a:rPr lang="en-US" sz="2300" b="1" dirty="0" smtClean="0">
+              <a:rPr lang="en-US" sz="2300" b="1" dirty="0">
                 <a:latin typeface="Consolas" pitchFamily="49" charset="0"/>
                 <a:cs typeface="Consolas" pitchFamily="49" charset="0"/>
               </a:rPr>
@@ -5146,7 +5023,7 @@
               <a:buNone/>
             </a:pPr>
             <a:r>
-              <a:rPr lang="en-US" sz="2300" b="1" dirty="0" smtClean="0">
+              <a:rPr lang="en-US" sz="2300" b="1" dirty="0">
                 <a:latin typeface="Consolas" pitchFamily="49" charset="0"/>
                 <a:cs typeface="Consolas" pitchFamily="49" charset="0"/>
               </a:rPr>
@@ -5158,7 +5035,7 @@
               <a:buNone/>
             </a:pPr>
             <a:r>
-              <a:rPr lang="en-US" sz="2300" b="1" dirty="0" smtClean="0">
+              <a:rPr lang="en-US" sz="2300" b="1" dirty="0">
                 <a:latin typeface="Consolas" pitchFamily="49" charset="0"/>
                 <a:cs typeface="Consolas" pitchFamily="49" charset="0"/>
               </a:rPr>
@@ -5170,7 +5047,7 @@
               <a:buNone/>
             </a:pPr>
             <a:r>
-              <a:rPr lang="en-US" sz="2300" b="1" dirty="0" smtClean="0">
+              <a:rPr lang="en-US" sz="2300" b="1" dirty="0">
                 <a:latin typeface="Consolas" pitchFamily="49" charset="0"/>
                 <a:cs typeface="Consolas" pitchFamily="49" charset="0"/>
               </a:rPr>
@@ -5182,21 +5059,21 @@
               <a:buNone/>
             </a:pPr>
             <a:r>
-              <a:rPr lang="en-US" sz="2300" b="1" dirty="0" smtClean="0">
+              <a:rPr lang="en-US" sz="2300" b="1" dirty="0">
                 <a:latin typeface="Consolas" pitchFamily="49" charset="0"/>
                 <a:cs typeface="Consolas" pitchFamily="49" charset="0"/>
               </a:rPr>
               <a:t>                (ball-</a:t>
             </a:r>
             <a:r>
-              <a:rPr lang="en-US" sz="2300" b="1" dirty="0" err="1" smtClean="0">
+              <a:rPr lang="en-US" sz="2300" b="1" dirty="0" err="1">
                 <a:latin typeface="Consolas" pitchFamily="49" charset="0"/>
                 <a:cs typeface="Consolas" pitchFamily="49" charset="0"/>
               </a:rPr>
               <a:t>dx</a:t>
             </a:r>
             <a:r>
-              <a:rPr lang="en-US" sz="2300" b="1" dirty="0" smtClean="0">
+              <a:rPr lang="en-US" sz="2300" b="1" dirty="0">
                 <a:latin typeface="Consolas" pitchFamily="49" charset="0"/>
                 <a:cs typeface="Consolas" pitchFamily="49" charset="0"/>
               </a:rPr>
@@ -5208,7 +5085,7 @@
               <a:buNone/>
             </a:pPr>
             <a:r>
-              <a:rPr lang="en-US" sz="2300" b="1" dirty="0" smtClean="0">
+              <a:rPr lang="en-US" sz="2300" b="1" dirty="0">
                 <a:latin typeface="Consolas" pitchFamily="49" charset="0"/>
                 <a:cs typeface="Consolas" pitchFamily="49" charset="0"/>
               </a:rPr>
@@ -5220,7 +5097,7 @@
               <a:buNone/>
             </a:pPr>
             <a:r>
-              <a:rPr lang="en-US" sz="2300" b="1" dirty="0" smtClean="0">
+              <a:rPr lang="en-US" sz="2300" b="1" dirty="0">
                 <a:latin typeface="Consolas" pitchFamily="49" charset="0"/>
                 <a:cs typeface="Consolas" pitchFamily="49" charset="0"/>
               </a:rPr>
@@ -5232,21 +5109,21 @@
               <a:buNone/>
             </a:pPr>
             <a:r>
-              <a:rPr lang="en-US" sz="2300" b="1" dirty="0" smtClean="0">
+              <a:rPr lang="en-US" sz="2300" b="1" dirty="0">
                 <a:latin typeface="Consolas" pitchFamily="49" charset="0"/>
                 <a:cs typeface="Consolas" pitchFamily="49" charset="0"/>
               </a:rPr>
               <a:t>             (ball-</a:t>
             </a:r>
             <a:r>
-              <a:rPr lang="en-US" sz="2300" b="1" dirty="0" err="1" smtClean="0">
+              <a:rPr lang="en-US" sz="2300" b="1" dirty="0" err="1">
                 <a:latin typeface="Consolas" pitchFamily="49" charset="0"/>
                 <a:cs typeface="Consolas" pitchFamily="49" charset="0"/>
               </a:rPr>
               <a:t>dx</a:t>
             </a:r>
             <a:r>
-              <a:rPr lang="en-US" sz="2300" b="1" dirty="0" smtClean="0">
+              <a:rPr lang="en-US" sz="2300" b="1" dirty="0">
                 <a:latin typeface="Consolas" pitchFamily="49" charset="0"/>
                 <a:cs typeface="Consolas" pitchFamily="49" charset="0"/>
               </a:rPr>
@@ -5258,7 +5135,7 @@
               <a:buNone/>
             </a:pPr>
             <a:r>
-              <a:rPr lang="en-US" sz="2300" b="1" dirty="0" smtClean="0">
+              <a:rPr lang="en-US" sz="2300" b="1" dirty="0">
                 <a:latin typeface="Consolas" pitchFamily="49" charset="0"/>
                 <a:cs typeface="Consolas" pitchFamily="49" charset="0"/>
               </a:rPr>
@@ -5270,7 +5147,7 @@
               <a:buNone/>
             </a:pPr>
             <a:r>
-              <a:rPr lang="en-US" sz="2300" b="1" dirty="0" smtClean="0">
+              <a:rPr lang="en-US" sz="2300" b="1" dirty="0">
                 <a:latin typeface="Consolas" pitchFamily="49" charset="0"/>
                 <a:cs typeface="Consolas" pitchFamily="49" charset="0"/>
               </a:rPr>
@@ -5282,7 +5159,7 @@
               <a:buNone/>
             </a:pPr>
             <a:r>
-              <a:rPr lang="en-US" sz="2300" b="1" dirty="0" smtClean="0">
+              <a:rPr lang="en-US" sz="2300" b="1" dirty="0">
                 <a:latin typeface="Consolas" pitchFamily="49" charset="0"/>
                 <a:cs typeface="Consolas" pitchFamily="49" charset="0"/>
               </a:rPr>
@@ -5294,7 +5171,7 @@
               <a:buNone/>
             </a:pPr>
             <a:r>
-              <a:rPr lang="en-US" sz="2300" b="1" dirty="0" smtClean="0">
+              <a:rPr lang="en-US" sz="2300" b="1" dirty="0">
                 <a:latin typeface="Consolas" pitchFamily="49" charset="0"/>
                 <a:cs typeface="Consolas" pitchFamily="49" charset="0"/>
               </a:rPr>
@@ -5306,21 +5183,21 @@
               <a:buNone/>
             </a:pPr>
             <a:r>
-              <a:rPr lang="en-US" sz="2300" b="1" dirty="0" smtClean="0">
+              <a:rPr lang="en-US" sz="2300" b="1" dirty="0">
                 <a:latin typeface="Consolas" pitchFamily="49" charset="0"/>
                 <a:cs typeface="Consolas" pitchFamily="49" charset="0"/>
               </a:rPr>
               <a:t>       (- (ball-</a:t>
             </a:r>
             <a:r>
-              <a:rPr lang="en-US" sz="2300" b="1" dirty="0" err="1" smtClean="0">
+              <a:rPr lang="en-US" sz="2300" b="1" dirty="0" err="1">
                 <a:latin typeface="Consolas" pitchFamily="49" charset="0"/>
                 <a:cs typeface="Consolas" pitchFamily="49" charset="0"/>
               </a:rPr>
               <a:t>dx</a:t>
             </a:r>
             <a:r>
-              <a:rPr lang="en-US" sz="2300" b="1" dirty="0" smtClean="0">
+              <a:rPr lang="en-US" sz="2300" b="1" dirty="0">
                 <a:latin typeface="Consolas" pitchFamily="49" charset="0"/>
                 <a:cs typeface="Consolas" pitchFamily="49" charset="0"/>
               </a:rPr>
@@ -5332,21 +5209,21 @@
               <a:buNone/>
             </a:pPr>
             <a:r>
-              <a:rPr lang="en-US" sz="2300" b="1" dirty="0" smtClean="0">
+              <a:rPr lang="en-US" sz="2300" b="1" dirty="0">
                 <a:latin typeface="Consolas" pitchFamily="49" charset="0"/>
                 <a:cs typeface="Consolas" pitchFamily="49" charset="0"/>
               </a:rPr>
               <a:t>       (ball-</a:t>
             </a:r>
             <a:r>
-              <a:rPr lang="en-US" sz="2300" b="1" dirty="0" err="1" smtClean="0">
+              <a:rPr lang="en-US" sz="2300" b="1" dirty="0" err="1">
                 <a:latin typeface="Consolas" pitchFamily="49" charset="0"/>
                 <a:cs typeface="Consolas" pitchFamily="49" charset="0"/>
               </a:rPr>
               <a:t>dy</a:t>
             </a:r>
             <a:r>
-              <a:rPr lang="en-US" sz="2300" b="1" dirty="0" smtClean="0">
+              <a:rPr lang="en-US" sz="2300" b="1" dirty="0">
                 <a:latin typeface="Consolas" pitchFamily="49" charset="0"/>
                 <a:cs typeface="Consolas" pitchFamily="49" charset="0"/>
               </a:rPr>
@@ -5358,7 +5235,7 @@
               <a:buNone/>
             </a:pPr>
             <a:r>
-              <a:rPr lang="en-US" sz="2300" b="1" dirty="0" smtClean="0">
+              <a:rPr lang="en-US" sz="2300" b="1" dirty="0">
                 <a:latin typeface="Consolas" pitchFamily="49" charset="0"/>
                 <a:cs typeface="Consolas" pitchFamily="49" charset="0"/>
               </a:rPr>
@@ -5370,7 +5247,7 @@
               <a:buNone/>
             </a:pPr>
             <a:r>
-              <a:rPr lang="en-US" sz="2300" b="1" dirty="0" smtClean="0"/>
+              <a:rPr lang="en-US" sz="2300" b="1" dirty="0"/>
               <a:t> </a:t>
             </a:r>
           </a:p>
@@ -5411,7 +5288,7 @@
               <a:buNone/>
             </a:pPr>
             <a:r>
-              <a:rPr lang="en-US" sz="2300" b="1" dirty="0" smtClean="0">
+              <a:rPr lang="en-US" sz="2300" b="1" dirty="0">
                 <a:latin typeface="Consolas" pitchFamily="49" charset="0"/>
                 <a:cs typeface="Consolas" pitchFamily="49" charset="0"/>
               </a:rPr>
@@ -5423,7 +5300,7 @@
               <a:buNone/>
             </a:pPr>
             <a:r>
-              <a:rPr lang="en-US" sz="2300" b="1" dirty="0" smtClean="0">
+              <a:rPr lang="en-US" sz="2300" b="1" dirty="0">
                 <a:latin typeface="Consolas" pitchFamily="49" charset="0"/>
                 <a:cs typeface="Consolas" pitchFamily="49" charset="0"/>
               </a:rPr>
@@ -5435,7 +5312,7 @@
               <a:buNone/>
             </a:pPr>
             <a:r>
-              <a:rPr lang="en-US" sz="2300" b="1" dirty="0" smtClean="0">
+              <a:rPr lang="en-US" sz="2300" b="1" dirty="0">
                 <a:latin typeface="Consolas" pitchFamily="49" charset="0"/>
                 <a:cs typeface="Consolas" pitchFamily="49" charset="0"/>
               </a:rPr>
@@ -5447,7 +5324,7 @@
               <a:buNone/>
             </a:pPr>
             <a:r>
-              <a:rPr lang="en-US" sz="2300" b="1" dirty="0" smtClean="0">
+              <a:rPr lang="en-US" sz="2300" b="1" dirty="0">
                 <a:latin typeface="Consolas" pitchFamily="49" charset="0"/>
                 <a:cs typeface="Consolas" pitchFamily="49" charset="0"/>
               </a:rPr>
@@ -5459,7 +5336,7 @@
               <a:buNone/>
             </a:pPr>
             <a:r>
-              <a:rPr lang="en-US" sz="2300" b="1" dirty="0" smtClean="0">
+              <a:rPr lang="en-US" sz="2300" b="1" dirty="0">
                 <a:latin typeface="Consolas" pitchFamily="49" charset="0"/>
                 <a:cs typeface="Consolas" pitchFamily="49" charset="0"/>
               </a:rPr>
@@ -5471,7 +5348,7 @@
               <a:buNone/>
             </a:pPr>
             <a:r>
-              <a:rPr lang="en-US" sz="2300" b="1" dirty="0" smtClean="0">
+              <a:rPr lang="en-US" sz="2300" b="1" dirty="0">
                 <a:latin typeface="Consolas" pitchFamily="49" charset="0"/>
                 <a:cs typeface="Consolas" pitchFamily="49" charset="0"/>
               </a:rPr>
@@ -5483,7 +5360,7 @@
               <a:buNone/>
             </a:pPr>
             <a:r>
-              <a:rPr lang="en-US" sz="2300" b="1" dirty="0" smtClean="0">
+              <a:rPr lang="en-US" sz="2300" b="1" dirty="0">
                 <a:latin typeface="Consolas" pitchFamily="49" charset="0"/>
                 <a:cs typeface="Consolas" pitchFamily="49" charset="0"/>
               </a:rPr>
@@ -5521,10 +5398,9 @@
           <a:lstStyle/>
           <a:p>
             <a:r>
-              <a:rPr lang="en-US" sz="2400" dirty="0" smtClean="0"/>
+              <a:rPr lang="en-US" sz="2400" dirty="0"/>
               <a:t>Here’s a pair of examples. Which do you think is clearer?  Which looks easier to debug? Which would you like to have to defend in front of a TA?</a:t>
             </a:r>
-            <a:endParaRPr lang="en-US" sz="2400" dirty="0"/>
           </a:p>
         </p:txBody>
       </p:sp>
@@ -5562,13 +5438,6 @@
   <p:clrMapOvr>
     <a:masterClrMapping/>
   </p:clrMapOvr>
-  <p:timing>
-    <p:tnLst>
-      <p:par>
-        <p:cTn id="1" dur="indefinite" restart="never" nodeType="tmRoot"/>
-      </p:par>
-    </p:tnLst>
-  </p:timing>
 </p:sld>
 </file>
 
@@ -5605,10 +5474,9 @@
           <a:lstStyle/>
           <a:p>
             <a:r>
-              <a:rPr lang="en-US" dirty="0" smtClean="0"/>
+              <a:rPr lang="en-US" dirty="0"/>
               <a:t>Summary</a:t>
             </a:r>
-            <a:endParaRPr lang="en-US" dirty="0"/>
           </a:p>
         </p:txBody>
       </p:sp>
@@ -5628,37 +5496,26 @@
           <a:lstStyle/>
           <a:p>
             <a:r>
-              <a:rPr lang="en-US" dirty="0" smtClean="0"/>
+              <a:rPr lang="en-US" dirty="0"/>
               <a:t>In this lesson, you’ve learned</a:t>
             </a:r>
           </a:p>
           <a:p>
             <a:pPr lvl="1"/>
             <a:r>
-              <a:rPr lang="en-US" dirty="0" smtClean="0"/>
-              <a:t>How to use Function Composition to write </a:t>
-            </a:r>
-            <a:r>
               <a:rPr lang="en-US" dirty="0"/>
-              <a:t>a function </a:t>
-            </a:r>
-            <a:r>
-              <a:rPr lang="en-US" dirty="0" smtClean="0"/>
-              <a:t>definition.</a:t>
+              <a:t>How to use Function Composition to write a function definition.</a:t>
             </a:r>
           </a:p>
           <a:p>
             <a:pPr lvl="1"/>
             <a:r>
-              <a:rPr lang="en-US" dirty="0" smtClean="0"/>
-              <a:t>When a function definition needs to be simplified by using help functions.</a:t>
-            </a:r>
-          </a:p>
-          <a:p>
-            <a:pPr lvl="1"/>
-            <a:r>
-              <a:rPr lang="en-US" dirty="0" smtClean="0"/>
-              <a:t>How to use Cases to partition a scalar data type.</a:t>
+              <a:rPr lang="en-US" dirty="0"/>
+              <a:t>When a function definition needs to be simplified by using help </a:t>
+            </a:r>
+            <a:r>
+              <a:rPr lang="en-US"/>
+              <a:t>functions.</a:t>
             </a:r>
             <a:endParaRPr lang="en-US" dirty="0"/>
           </a:p>
@@ -5698,13 +5555,6 @@
   <p:clrMapOvr>
     <a:masterClrMapping/>
   </p:clrMapOvr>
-  <p:timing>
-    <p:tnLst>
-      <p:par>
-        <p:cTn id="1" dur="indefinite" restart="never" nodeType="tmRoot"/>
-      </p:par>
-    </p:tnLst>
-  </p:timing>
 </p:sld>
 </file>
 
@@ -5741,10 +5591,9 @@
           <a:lstStyle/>
           <a:p>
             <a:r>
-              <a:rPr lang="en-US" dirty="0" smtClean="0"/>
+              <a:rPr lang="en-US" dirty="0"/>
               <a:t>Next Steps</a:t>
             </a:r>
-            <a:endParaRPr lang="en-US" dirty="0"/>
           </a:p>
         </p:txBody>
       </p:sp>
@@ -5764,24 +5613,15 @@
           <a:lstStyle/>
           <a:p>
             <a:r>
-              <a:rPr lang="en-US" smtClean="0"/>
+              <a:rPr lang="en-US"/>
               <a:t>Study the files </a:t>
             </a:r>
           </a:p>
           <a:p>
             <a:r>
-              <a:rPr lang="en-US" dirty="0" smtClean="0"/>
-              <a:t>If </a:t>
-            </a:r>
-            <a:r>
               <a:rPr lang="en-US" dirty="0"/>
-              <a:t>you have questions or comments about this lesson, post them on the discussion board</a:t>
-            </a:r>
-            <a:r>
-              <a:rPr lang="en-US" dirty="0" smtClean="0"/>
-              <a:t>.</a:t>
-            </a:r>
-            <a:endParaRPr lang="en-US" dirty="0"/>
+              <a:t>If you have questions or comments about this lesson, post them on the discussion board.</a:t>
+            </a:r>
           </a:p>
         </p:txBody>
       </p:sp>
@@ -5819,13 +5659,6 @@
   <p:clrMapOvr>
     <a:masterClrMapping/>
   </p:clrMapOvr>
-  <p:timing>
-    <p:tnLst>
-      <p:par>
-        <p:cTn id="1" dur="indefinite" restart="never" nodeType="tmRoot"/>
-      </p:par>
-    </p:tnLst>
-  </p:timing>
 </p:sld>
 </file>
 
@@ -5862,10 +5695,9 @@
           <a:lstStyle/>
           <a:p>
             <a:r>
-              <a:rPr lang="en-US" dirty="0" smtClean="0"/>
+              <a:rPr lang="en-US" dirty="0"/>
               <a:t>Learning Objectives</a:t>
             </a:r>
-            <a:endParaRPr lang="en-US" dirty="0"/>
           </a:p>
         </p:txBody>
       </p:sp>
@@ -5885,7 +5717,7 @@
           <a:lstStyle/>
           <a:p>
             <a:r>
-              <a:rPr lang="en-US" dirty="0" smtClean="0"/>
+              <a:rPr lang="en-US" dirty="0"/>
               <a:t>At the end of this lesson, the student should be able to define short functions by composing existing functions.</a:t>
             </a:r>
           </a:p>
@@ -5925,13 +5757,6 @@
   <p:clrMapOvr>
     <a:masterClrMapping/>
   </p:clrMapOvr>
-  <p:timing>
-    <p:tnLst>
-      <p:par>
-        <p:cTn id="1" dur="indefinite" restart="never" nodeType="tmRoot"/>
-      </p:par>
-    </p:tnLst>
-  </p:timing>
 </p:sld>
 </file>
 
@@ -5968,10 +5793,9 @@
           <a:lstStyle/>
           <a:p>
             <a:r>
-              <a:rPr lang="en-US" dirty="0" smtClean="0"/>
+              <a:rPr lang="en-US" dirty="0"/>
               <a:t>Introduction</a:t>
             </a:r>
-            <a:endParaRPr lang="en-US" dirty="0"/>
           </a:p>
         </p:txBody>
       </p:sp>
@@ -5993,13 +5817,13 @@
           <a:lstStyle/>
           <a:p>
             <a:r>
-              <a:rPr lang="en-US" dirty="0" smtClean="0"/>
+              <a:rPr lang="en-US" dirty="0"/>
               <a:t>In this lesson, you will learn about Steps 4 and 5 of the design recipe:  Design Strategies and Function Definitions.</a:t>
             </a:r>
           </a:p>
           <a:p>
             <a:r>
-              <a:rPr lang="en-US" dirty="0" smtClean="0"/>
+              <a:rPr lang="en-US" dirty="0"/>
               <a:t>We will start with the simplest design strategy: Combine Simpler Functions</a:t>
             </a:r>
           </a:p>
@@ -6039,13 +5863,6 @@
   <p:clrMapOvr>
     <a:masterClrMapping/>
   </p:clrMapOvr>
-  <p:timing>
-    <p:tnLst>
-      <p:par>
-        <p:cTn id="1" dur="indefinite" restart="never" nodeType="tmRoot"/>
-      </p:par>
-    </p:tnLst>
-  </p:timing>
 </p:sld>
 </file>
 
@@ -6082,10 +5899,9 @@
           <a:lstStyle/>
           <a:p>
             <a:r>
-              <a:rPr lang="en-US" dirty="0" smtClean="0"/>
+              <a:rPr lang="en-US" dirty="0"/>
               <a:t>Programs are sets of Functions</a:t>
             </a:r>
-            <a:endParaRPr lang="en-US" dirty="0"/>
           </a:p>
         </p:txBody>
       </p:sp>
@@ -6107,53 +5923,44 @@
           <a:lstStyle/>
           <a:p>
             <a:r>
-              <a:rPr lang="en-US" dirty="0" smtClean="0"/>
+              <a:rPr lang="en-US" dirty="0"/>
               <a:t>We organize our programs as sets of </a:t>
             </a:r>
             <a:r>
-              <a:rPr lang="en-US" i="1" dirty="0" smtClean="0"/>
+              <a:rPr lang="en-US" i="1" dirty="0"/>
               <a:t>functions</a:t>
             </a:r>
             <a:r>
-              <a:rPr lang="en-US" dirty="0" smtClean="0"/>
+              <a:rPr lang="en-US" dirty="0"/>
               <a:t>.</a:t>
             </a:r>
           </a:p>
           <a:p>
             <a:r>
-              <a:rPr lang="en-US" dirty="0" smtClean="0"/>
+              <a:rPr lang="en-US" dirty="0"/>
               <a:t>A function takes an argument (or arguments) and returns a result.</a:t>
             </a:r>
           </a:p>
           <a:p>
             <a:r>
-              <a:rPr lang="en-US" dirty="0" smtClean="0"/>
+              <a:rPr lang="en-US" dirty="0"/>
               <a:t>The contract says what kind of data the argument and result are.</a:t>
             </a:r>
           </a:p>
           <a:p>
             <a:r>
-              <a:rPr lang="en-US" dirty="0" smtClean="0"/>
+              <a:rPr lang="en-US" dirty="0"/>
               <a:t>Purpose statement describes how the result depends on the argument.</a:t>
             </a:r>
           </a:p>
           <a:p>
             <a:r>
-              <a:rPr lang="en-US" dirty="0" smtClean="0"/>
-              <a:t>The design strategy is a </a:t>
-            </a:r>
-            <a:r>
               <a:rPr lang="en-US" dirty="0"/>
-              <a:t>short description of how to get from the purpose statement to the </a:t>
-            </a:r>
-            <a:r>
-              <a:rPr lang="en-US" dirty="0" smtClean="0"/>
-              <a:t>code.</a:t>
-            </a:r>
+              <a:t>The design strategy is a short description of how to get from the purpose statement to the code.</a:t>
+            </a:r>
+          </a:p>
+          <a:p>
             <a:endParaRPr lang="en-US" dirty="0"/>
-          </a:p>
-          <a:p>
-            <a:endParaRPr lang="en-US" dirty="0" smtClean="0"/>
           </a:p>
           <a:p>
             <a:pPr>
@@ -6197,13 +6004,6 @@
   <p:clrMapOvr>
     <a:masterClrMapping/>
   </p:clrMapOvr>
-  <p:timing>
-    <p:tnLst>
-      <p:par>
-        <p:cTn id="1" dur="indefinite" restart="never" nodeType="tmRoot"/>
-      </p:par>
-    </p:tnLst>
-  </p:timing>
 </p:sld>
 </file>
 
@@ -6240,10 +6040,9 @@
           <a:lstStyle/>
           <a:p>
             <a:r>
-              <a:rPr lang="en-US" dirty="0" smtClean="0"/>
+              <a:rPr lang="en-US" dirty="0"/>
               <a:t>Typical Program Design Strategies</a:t>
             </a:r>
-            <a:endParaRPr lang="en-US" dirty="0"/>
           </a:p>
         </p:txBody>
       </p:sp>
@@ -6273,7 +6072,13 @@
                 <a:tableStyleId>{5C22544A-7EE6-4342-B048-85BDC9FD1C3A}</a:tableStyleId>
               </a:tblPr>
               <a:tblGrid>
-                <a:gridCol w="8229600"/>
+                <a:gridCol w="8229600">
+                  <a:extLst>
+                    <a:ext uri="{9D8B030D-6E8A-4147-A177-3AD203B41FA5}">
+                      <a16:colId xmlns:a16="http://schemas.microsoft.com/office/drawing/2014/main" val="20000"/>
+                    </a:ext>
+                  </a:extLst>
+                </a:gridCol>
               </a:tblGrid>
               <a:tr h="370840">
                 <a:tc>
@@ -6283,14 +6088,18 @@
                     <a:p>
                       <a:pPr algn="ctr"/>
                       <a:r>
-                        <a:rPr lang="en-US" sz="3200" dirty="0" smtClean="0"/>
+                        <a:rPr lang="en-US" sz="3200" dirty="0"/>
                         <a:t>Design Strategies</a:t>
                       </a:r>
-                      <a:endParaRPr lang="en-US" sz="3200" dirty="0"/>
                     </a:p>
                   </a:txBody>
                   <a:tcPr/>
                 </a:tc>
+                <a:extLst>
+                  <a:ext uri="{0D108BD9-81ED-4DB2-BD59-A6C34878D82A}">
+                    <a16:rowId xmlns:a16="http://schemas.microsoft.com/office/drawing/2014/main" val="10000"/>
+                  </a:ext>
+                </a:extLst>
               </a:tr>
               <a:tr h="370840">
                 <a:tc>
@@ -6299,11 +6108,11 @@
                     <a:lstStyle/>
                     <a:p>
                       <a:r>
-                        <a:rPr lang="en-US" sz="3200" dirty="0" smtClean="0"/>
+                        <a:rPr lang="en-US" sz="3200" dirty="0"/>
                         <a:t>1. Combine</a:t>
                       </a:r>
                       <a:r>
-                        <a:rPr lang="en-US" sz="3200" baseline="0" dirty="0" smtClean="0"/>
+                        <a:rPr lang="en-US" sz="3200" baseline="0" dirty="0"/>
                         <a:t> simpler functions</a:t>
                       </a:r>
                       <a:endParaRPr lang="en-US" sz="3200" dirty="0"/>
@@ -6311,6 +6120,11 @@
                   </a:txBody>
                   <a:tcPr/>
                 </a:tc>
+                <a:extLst>
+                  <a:ext uri="{0D108BD9-81ED-4DB2-BD59-A6C34878D82A}">
+                    <a16:rowId xmlns:a16="http://schemas.microsoft.com/office/drawing/2014/main" val="10001"/>
+                  </a:ext>
+                </a:extLst>
               </a:tr>
               <a:tr h="370840">
                 <a:tc>
@@ -6319,34 +6133,39 @@
                     <a:lstStyle/>
                     <a:p>
                       <a:r>
-                        <a:rPr lang="en-US" sz="3200" dirty="0" smtClean="0"/>
+                        <a:rPr lang="en-US" sz="3200" dirty="0"/>
                         <a:t>2.</a:t>
                       </a:r>
                       <a:r>
-                        <a:rPr lang="en-US" sz="3200" baseline="0" dirty="0" smtClean="0"/>
+                        <a:rPr lang="en-US" sz="3200" baseline="0" dirty="0"/>
                         <a:t> Use template for &lt;data </a:t>
                       </a:r>
                       <a:r>
-                        <a:rPr lang="en-US" sz="3200" baseline="0" dirty="0" err="1" smtClean="0"/>
+                        <a:rPr lang="en-US" sz="3200" baseline="0" dirty="0" err="1"/>
                         <a:t>def</a:t>
                       </a:r>
                       <a:r>
-                        <a:rPr lang="en-US" sz="3200" baseline="0" dirty="0" smtClean="0"/>
+                        <a:rPr lang="en-US" sz="3200" baseline="0" dirty="0"/>
                         <a:t>&gt; on &lt;</a:t>
                       </a:r>
                       <a:r>
-                        <a:rPr lang="en-US" sz="3200" baseline="0" dirty="0" err="1" smtClean="0"/>
+                        <a:rPr lang="en-US" sz="3200" baseline="0" dirty="0" err="1"/>
                         <a:t>vble</a:t>
                       </a:r>
                       <a:r>
-                        <a:rPr lang="en-US" sz="3200" baseline="0" dirty="0" smtClean="0"/>
+                        <a:rPr lang="en-US" sz="3200" baseline="0" dirty="0"/>
                         <a:t>&gt;</a:t>
                       </a:r>
-                      <a:endParaRPr lang="en-US" sz="3200" dirty="0" smtClean="0"/>
+                      <a:endParaRPr lang="en-US" sz="3200" dirty="0"/>
                     </a:p>
                   </a:txBody>
                   <a:tcPr/>
                 </a:tc>
+                <a:extLst>
+                  <a:ext uri="{0D108BD9-81ED-4DB2-BD59-A6C34878D82A}">
+                    <a16:rowId xmlns:a16="http://schemas.microsoft.com/office/drawing/2014/main" val="10002"/>
+                  </a:ext>
+                </a:extLst>
               </a:tr>
               <a:tr h="370840">
                 <a:tc>
@@ -6355,14 +6174,18 @@
                     <a:lstStyle/>
                     <a:p>
                       <a:r>
-                        <a:rPr lang="en-US" sz="3200" dirty="0" smtClean="0"/>
+                        <a:rPr lang="en-US" sz="3200" dirty="0"/>
                         <a:t>3. Divide into cases on &lt;condition&gt;</a:t>
                       </a:r>
-                      <a:endParaRPr lang="en-US" sz="3200" dirty="0"/>
                     </a:p>
                   </a:txBody>
                   <a:tcPr/>
                 </a:tc>
+                <a:extLst>
+                  <a:ext uri="{0D108BD9-81ED-4DB2-BD59-A6C34878D82A}">
+                    <a16:rowId xmlns:a16="http://schemas.microsoft.com/office/drawing/2014/main" val="10003"/>
+                  </a:ext>
+                </a:extLst>
               </a:tr>
               <a:tr h="370840">
                 <a:tc>
@@ -6371,30 +6194,34 @@
                     <a:lstStyle/>
                     <a:p>
                       <a:r>
-                        <a:rPr lang="en-US" sz="3200" dirty="0" smtClean="0"/>
+                        <a:rPr lang="en-US" sz="3200" dirty="0"/>
                         <a:t>4. Use HOF &lt;</a:t>
                       </a:r>
                       <a:r>
-                        <a:rPr lang="en-US" sz="3200" dirty="0" err="1" smtClean="0"/>
+                        <a:rPr lang="en-US" sz="3200" dirty="0" err="1"/>
                         <a:t>mapfn</a:t>
                       </a:r>
                       <a:r>
-                        <a:rPr lang="en-US" sz="3200" dirty="0" smtClean="0"/>
+                        <a:rPr lang="en-US" sz="3200" dirty="0"/>
                         <a:t>&gt; on &lt;</a:t>
                       </a:r>
                       <a:r>
-                        <a:rPr lang="en-US" sz="3200" dirty="0" err="1" smtClean="0"/>
+                        <a:rPr lang="en-US" sz="3200" dirty="0" err="1"/>
                         <a:t>vble</a:t>
                       </a:r>
                       <a:r>
-                        <a:rPr lang="en-US" sz="3200" dirty="0" smtClean="0"/>
+                        <a:rPr lang="en-US" sz="3200" dirty="0"/>
                         <a:t>&gt;</a:t>
                       </a:r>
-                      <a:endParaRPr lang="en-US" sz="3200" dirty="0"/>
                     </a:p>
                   </a:txBody>
                   <a:tcPr/>
                 </a:tc>
+                <a:extLst>
+                  <a:ext uri="{0D108BD9-81ED-4DB2-BD59-A6C34878D82A}">
+                    <a16:rowId xmlns:a16="http://schemas.microsoft.com/office/drawing/2014/main" val="10004"/>
+                  </a:ext>
+                </a:extLst>
               </a:tr>
               <a:tr h="370840">
                 <a:tc>
@@ -6403,13 +6230,18 @@
                     <a:lstStyle/>
                     <a:p>
                       <a:r>
-                        <a:rPr lang="en-US" sz="3200" dirty="0" smtClean="0"/>
+                        <a:rPr lang="en-US" sz="3200" dirty="0"/>
                         <a:t>5. Call a more general function</a:t>
                       </a:r>
                     </a:p>
                   </a:txBody>
                   <a:tcPr/>
                 </a:tc>
+                <a:extLst>
+                  <a:ext uri="{0D108BD9-81ED-4DB2-BD59-A6C34878D82A}">
+                    <a16:rowId xmlns:a16="http://schemas.microsoft.com/office/drawing/2014/main" val="10005"/>
+                  </a:ext>
+                </a:extLst>
               </a:tr>
             </a:tbl>
           </a:graphicData>
@@ -6496,13 +6328,6 @@
   <p:clrMapOvr>
     <a:masterClrMapping/>
   </p:clrMapOvr>
-  <p:timing>
-    <p:tnLst>
-      <p:par>
-        <p:cTn id="1" dur="indefinite" restart="never" nodeType="tmRoot"/>
-      </p:par>
-    </p:tnLst>
-  </p:timing>
 </p:sld>
 </file>
 
@@ -6544,10 +6369,9 @@
           <a:lstStyle/>
           <a:p>
             <a:r>
-              <a:rPr lang="en-US" dirty="0" smtClean="0"/>
+              <a:rPr lang="en-US" dirty="0"/>
               <a:t>Let's see where we are</a:t>
             </a:r>
-            <a:endParaRPr lang="en-US" dirty="0"/>
           </a:p>
         </p:txBody>
       </p:sp>
@@ -6577,7 +6401,13 @@
                 <a:tableStyleId>{5C22544A-7EE6-4342-B048-85BDC9FD1C3A}</a:tableStyleId>
               </a:tblPr>
               <a:tblGrid>
-                <a:gridCol w="2057400"/>
+                <a:gridCol w="2057400">
+                  <a:extLst>
+                    <a:ext uri="{9D8B030D-6E8A-4147-A177-3AD203B41FA5}">
+                      <a16:colId xmlns:a16="http://schemas.microsoft.com/office/drawing/2014/main" val="20000"/>
+                    </a:ext>
+                  </a:extLst>
+                </a:gridCol>
               </a:tblGrid>
               <a:tr h="262236">
                 <a:tc>
@@ -6587,14 +6417,18 @@
                     <a:p>
                       <a:pPr algn="ctr"/>
                       <a:r>
-                        <a:rPr lang="en-US" sz="1200" dirty="0" smtClean="0"/>
+                        <a:rPr lang="en-US" sz="1200" dirty="0"/>
                         <a:t>The Function Design Recipe</a:t>
                       </a:r>
-                      <a:endParaRPr lang="en-US" sz="1200" dirty="0"/>
                     </a:p>
                   </a:txBody>
                   <a:tcPr/>
                 </a:tc>
+                <a:extLst>
+                  <a:ext uri="{0D108BD9-81ED-4DB2-BD59-A6C34878D82A}">
+                    <a16:rowId xmlns:a16="http://schemas.microsoft.com/office/drawing/2014/main" val="10000"/>
+                  </a:ext>
+                </a:extLst>
               </a:tr>
               <a:tr h="262236">
                 <a:tc>
@@ -6603,14 +6437,18 @@
                     <a:lstStyle/>
                     <a:p>
                       <a:r>
-                        <a:rPr lang="en-US" sz="1200" dirty="0" smtClean="0"/>
+                        <a:rPr lang="en-US" sz="1200" dirty="0"/>
                         <a:t>1. Data Design</a:t>
                       </a:r>
-                      <a:endParaRPr lang="en-US" sz="1200" dirty="0"/>
                     </a:p>
                   </a:txBody>
                   <a:tcPr/>
                 </a:tc>
+                <a:extLst>
+                  <a:ext uri="{0D108BD9-81ED-4DB2-BD59-A6C34878D82A}">
+                    <a16:rowId xmlns:a16="http://schemas.microsoft.com/office/drawing/2014/main" val="10001"/>
+                  </a:ext>
+                </a:extLst>
               </a:tr>
               <a:tr h="285546">
                 <a:tc>
@@ -6619,14 +6457,18 @@
                     <a:lstStyle/>
                     <a:p>
                       <a:r>
-                        <a:rPr lang="en-US" sz="1200" dirty="0" smtClean="0"/>
+                        <a:rPr lang="en-US" sz="1200" dirty="0"/>
                         <a:t>2. Contract and Purpose Statement</a:t>
                       </a:r>
-                      <a:endParaRPr lang="en-US" sz="1200" dirty="0"/>
                     </a:p>
                   </a:txBody>
                   <a:tcPr/>
                 </a:tc>
+                <a:extLst>
+                  <a:ext uri="{0D108BD9-81ED-4DB2-BD59-A6C34878D82A}">
+                    <a16:rowId xmlns:a16="http://schemas.microsoft.com/office/drawing/2014/main" val="10002"/>
+                  </a:ext>
+                </a:extLst>
               </a:tr>
               <a:tr h="262236">
                 <a:tc>
@@ -6635,11 +6477,11 @@
                     <a:lstStyle/>
                     <a:p>
                       <a:r>
-                        <a:rPr lang="en-US" sz="1200" dirty="0" smtClean="0"/>
+                        <a:rPr lang="en-US" sz="1200" dirty="0"/>
                         <a:t>3.</a:t>
                       </a:r>
                       <a:r>
-                        <a:rPr lang="en-US" sz="1200" baseline="0" dirty="0" smtClean="0"/>
+                        <a:rPr lang="en-US" sz="1200" baseline="0" dirty="0"/>
                         <a:t> Examples and Tests</a:t>
                       </a:r>
                       <a:endParaRPr lang="en-US" sz="1200" dirty="0"/>
@@ -6647,6 +6489,11 @@
                   </a:txBody>
                   <a:tcPr/>
                 </a:tc>
+                <a:extLst>
+                  <a:ext uri="{0D108BD9-81ED-4DB2-BD59-A6C34878D82A}">
+                    <a16:rowId xmlns:a16="http://schemas.microsoft.com/office/drawing/2014/main" val="10003"/>
+                  </a:ext>
+                </a:extLst>
               </a:tr>
               <a:tr h="262236">
                 <a:tc>
@@ -6655,13 +6502,18 @@
                     <a:lstStyle/>
                     <a:p>
                       <a:r>
-                        <a:rPr lang="en-US" sz="1200" dirty="0" smtClean="0"/>
+                        <a:rPr lang="en-US" sz="1200" dirty="0"/>
                         <a:t>4. Design Strategy</a:t>
                       </a:r>
                     </a:p>
                   </a:txBody>
                   <a:tcPr/>
                 </a:tc>
+                <a:extLst>
+                  <a:ext uri="{0D108BD9-81ED-4DB2-BD59-A6C34878D82A}">
+                    <a16:rowId xmlns:a16="http://schemas.microsoft.com/office/drawing/2014/main" val="10004"/>
+                  </a:ext>
+                </a:extLst>
               </a:tr>
               <a:tr h="262236">
                 <a:tc>
@@ -6670,14 +6522,18 @@
                     <a:lstStyle/>
                     <a:p>
                       <a:r>
-                        <a:rPr lang="en-US" sz="1200" dirty="0" smtClean="0"/>
+                        <a:rPr lang="en-US" sz="1200" dirty="0"/>
                         <a:t>5. Function Definition</a:t>
                       </a:r>
-                      <a:endParaRPr lang="en-US" sz="1200" dirty="0"/>
                     </a:p>
                   </a:txBody>
                   <a:tcPr/>
                 </a:tc>
+                <a:extLst>
+                  <a:ext uri="{0D108BD9-81ED-4DB2-BD59-A6C34878D82A}">
+                    <a16:rowId xmlns:a16="http://schemas.microsoft.com/office/drawing/2014/main" val="10005"/>
+                  </a:ext>
+                </a:extLst>
               </a:tr>
               <a:tr h="262236">
                 <a:tc>
@@ -6686,11 +6542,11 @@
                     <a:lstStyle/>
                     <a:p>
                       <a:r>
-                        <a:rPr lang="en-US" sz="1200" dirty="0" smtClean="0"/>
+                        <a:rPr lang="en-US" sz="1200" dirty="0"/>
                         <a:t>6. Program</a:t>
                       </a:r>
                       <a:r>
-                        <a:rPr lang="en-US" sz="1200" baseline="0" dirty="0" smtClean="0"/>
+                        <a:rPr lang="en-US" sz="1200" baseline="0" dirty="0"/>
                         <a:t> Review</a:t>
                       </a:r>
                       <a:endParaRPr lang="en-US" sz="1200" dirty="0"/>
@@ -6698,6 +6554,11 @@
                   </a:txBody>
                   <a:tcPr/>
                 </a:tc>
+                <a:extLst>
+                  <a:ext uri="{0D108BD9-81ED-4DB2-BD59-A6C34878D82A}">
+                    <a16:rowId xmlns:a16="http://schemas.microsoft.com/office/drawing/2014/main" val="10006"/>
+                  </a:ext>
+                </a:extLst>
               </a:tr>
             </a:tbl>
           </a:graphicData>
@@ -6792,7 +6653,13 @@
                 <a:tableStyleId>{5C22544A-7EE6-4342-B048-85BDC9FD1C3A}</a:tableStyleId>
               </a:tblPr>
               <a:tblGrid>
-                <a:gridCol w="3352800"/>
+                <a:gridCol w="3352800">
+                  <a:extLst>
+                    <a:ext uri="{9D8B030D-6E8A-4147-A177-3AD203B41FA5}">
+                      <a16:colId xmlns:a16="http://schemas.microsoft.com/office/drawing/2014/main" val="20000"/>
+                    </a:ext>
+                  </a:extLst>
+                </a:gridCol>
               </a:tblGrid>
               <a:tr h="314229">
                 <a:tc>
@@ -6802,14 +6669,18 @@
                     <a:p>
                       <a:pPr algn="ctr"/>
                       <a:r>
-                        <a:rPr lang="en-US" sz="1200" dirty="0" smtClean="0"/>
+                        <a:rPr lang="en-US" sz="1200" dirty="0"/>
                         <a:t>The Six Principles of this course</a:t>
                       </a:r>
-                      <a:endParaRPr lang="en-US" sz="1200" dirty="0"/>
                     </a:p>
                   </a:txBody>
                   <a:tcPr/>
                 </a:tc>
+                <a:extLst>
+                  <a:ext uri="{0D108BD9-81ED-4DB2-BD59-A6C34878D82A}">
+                    <a16:rowId xmlns:a16="http://schemas.microsoft.com/office/drawing/2014/main" val="10000"/>
+                  </a:ext>
+                </a:extLst>
               </a:tr>
               <a:tr h="314229">
                 <a:tc>
@@ -6818,14 +6689,18 @@
                     <a:lstStyle/>
                     <a:p>
                       <a:r>
-                        <a:rPr lang="en-US" sz="1200" dirty="0" smtClean="0"/>
+                        <a:rPr lang="en-US" sz="1200" dirty="0"/>
                         <a:t>1. Programming is a People Discipline</a:t>
                       </a:r>
-                      <a:endParaRPr lang="en-US" sz="1200" dirty="0"/>
                     </a:p>
                   </a:txBody>
                   <a:tcPr/>
                 </a:tc>
+                <a:extLst>
+                  <a:ext uri="{0D108BD9-81ED-4DB2-BD59-A6C34878D82A}">
+                    <a16:rowId xmlns:a16="http://schemas.microsoft.com/office/drawing/2014/main" val="10001"/>
+                  </a:ext>
+                </a:extLst>
               </a:tr>
               <a:tr h="378923">
                 <a:tc>
@@ -6834,14 +6709,18 @@
                     <a:lstStyle/>
                     <a:p>
                       <a:r>
-                        <a:rPr lang="en-US" sz="1200" dirty="0" smtClean="0"/>
+                        <a:rPr lang="en-US" sz="1200" dirty="0"/>
                         <a:t>2. Represent Information as Data; Interpret Data as Information</a:t>
                       </a:r>
-                      <a:endParaRPr lang="en-US" sz="1200" dirty="0"/>
                     </a:p>
                   </a:txBody>
                   <a:tcPr/>
                 </a:tc>
+                <a:extLst>
+                  <a:ext uri="{0D108BD9-81ED-4DB2-BD59-A6C34878D82A}">
+                    <a16:rowId xmlns:a16="http://schemas.microsoft.com/office/drawing/2014/main" val="10002"/>
+                  </a:ext>
+                </a:extLst>
               </a:tr>
               <a:tr h="388166">
                 <a:tc>
@@ -6867,11 +6746,11 @@
                         <a:defRPr/>
                       </a:pPr>
                       <a:r>
-                        <a:rPr lang="en-US" sz="1200" dirty="0" smtClean="0"/>
+                        <a:rPr lang="en-US" sz="1200" dirty="0"/>
                         <a:t>3.</a:t>
                       </a:r>
                       <a:r>
-                        <a:rPr lang="en-US" sz="1200" baseline="0" dirty="0" smtClean="0"/>
+                        <a:rPr lang="en-US" sz="1200" baseline="0" dirty="0"/>
                         <a:t> Programs should consist of functions and methods that consume and produce values</a:t>
                       </a:r>
                       <a:endParaRPr lang="en-US" sz="1200" dirty="0"/>
@@ -6879,6 +6758,11 @@
                   </a:txBody>
                   <a:tcPr/>
                 </a:tc>
+                <a:extLst>
+                  <a:ext uri="{0D108BD9-81ED-4DB2-BD59-A6C34878D82A}">
+                    <a16:rowId xmlns:a16="http://schemas.microsoft.com/office/drawing/2014/main" val="10003"/>
+                  </a:ext>
+                </a:extLst>
               </a:tr>
               <a:tr h="314229">
                 <a:tc>
@@ -6887,18 +6771,23 @@
                     <a:lstStyle/>
                     <a:p>
                       <a:r>
-                        <a:rPr lang="en-US" sz="1200" dirty="0" smtClean="0"/>
+                        <a:rPr lang="en-US" sz="1200" dirty="0"/>
                         <a:t>4. Design Functions</a:t>
                       </a:r>
                       <a:r>
-                        <a:rPr lang="en-US" sz="1200" baseline="0" dirty="0" smtClean="0"/>
+                        <a:rPr lang="en-US" sz="1200" baseline="0" dirty="0"/>
                         <a:t> Systematically</a:t>
                       </a:r>
-                      <a:endParaRPr lang="en-US" sz="1200" dirty="0" smtClean="0"/>
+                      <a:endParaRPr lang="en-US" sz="1200" dirty="0"/>
                     </a:p>
                   </a:txBody>
                   <a:tcPr/>
                 </a:tc>
+                <a:extLst>
+                  <a:ext uri="{0D108BD9-81ED-4DB2-BD59-A6C34878D82A}">
+                    <a16:rowId xmlns:a16="http://schemas.microsoft.com/office/drawing/2014/main" val="10004"/>
+                  </a:ext>
+                </a:extLst>
               </a:tr>
               <a:tr h="314229">
                 <a:tc>
@@ -6907,14 +6796,18 @@
                     <a:lstStyle/>
                     <a:p>
                       <a:r>
-                        <a:rPr lang="en-US" sz="1200" dirty="0" smtClean="0"/>
+                        <a:rPr lang="en-US" sz="1200" dirty="0"/>
                         <a:t>5. Design Systems Iteratively</a:t>
                       </a:r>
-                      <a:endParaRPr lang="en-US" sz="1200" dirty="0"/>
                     </a:p>
                   </a:txBody>
                   <a:tcPr/>
                 </a:tc>
+                <a:extLst>
+                  <a:ext uri="{0D108BD9-81ED-4DB2-BD59-A6C34878D82A}">
+                    <a16:rowId xmlns:a16="http://schemas.microsoft.com/office/drawing/2014/main" val="10005"/>
+                  </a:ext>
+                </a:extLst>
               </a:tr>
               <a:tr h="378923">
                 <a:tc>
@@ -6923,14 +6816,18 @@
                     <a:lstStyle/>
                     <a:p>
                       <a:r>
-                        <a:rPr lang="en-US" sz="1200" dirty="0" smtClean="0"/>
+                        <a:rPr lang="en-US" sz="1200" dirty="0"/>
                         <a:t>6. Pass values when you can, share state only when you must.</a:t>
                       </a:r>
-                      <a:endParaRPr lang="en-US" sz="1200" dirty="0"/>
                     </a:p>
                   </a:txBody>
                   <a:tcPr/>
                 </a:tc>
+                <a:extLst>
+                  <a:ext uri="{0D108BD9-81ED-4DB2-BD59-A6C34878D82A}">
+                    <a16:rowId xmlns:a16="http://schemas.microsoft.com/office/drawing/2014/main" val="10006"/>
+                  </a:ext>
+                </a:extLst>
               </a:tr>
             </a:tbl>
           </a:graphicData>
@@ -7035,7 +6932,13 @@
                 <a:tableStyleId>{5C22544A-7EE6-4342-B048-85BDC9FD1C3A}</a:tableStyleId>
               </a:tblPr>
               <a:tblGrid>
-                <a:gridCol w="2209800"/>
+                <a:gridCol w="2209800">
+                  <a:extLst>
+                    <a:ext uri="{9D8B030D-6E8A-4147-A177-3AD203B41FA5}">
+                      <a16:colId xmlns:a16="http://schemas.microsoft.com/office/drawing/2014/main" val="20000"/>
+                    </a:ext>
+                  </a:extLst>
+                </a:gridCol>
               </a:tblGrid>
               <a:tr h="261408">
                 <a:tc>
@@ -7045,14 +6948,18 @@
                     <a:p>
                       <a:pPr algn="ctr"/>
                       <a:r>
-                        <a:rPr lang="en-US" sz="1200" dirty="0" smtClean="0"/>
+                        <a:rPr lang="en-US" sz="1200" dirty="0"/>
                         <a:t>Design Strategies</a:t>
                       </a:r>
-                      <a:endParaRPr lang="en-US" sz="1200" dirty="0"/>
                     </a:p>
                   </a:txBody>
                   <a:tcPr/>
                 </a:tc>
+                <a:extLst>
+                  <a:ext uri="{0D108BD9-81ED-4DB2-BD59-A6C34878D82A}">
+                    <a16:rowId xmlns:a16="http://schemas.microsoft.com/office/drawing/2014/main" val="10000"/>
+                  </a:ext>
+                </a:extLst>
               </a:tr>
               <a:tr h="261408">
                 <a:tc>
@@ -7061,11 +6968,11 @@
                     <a:lstStyle/>
                     <a:p>
                       <a:r>
-                        <a:rPr lang="en-US" sz="1200" dirty="0" smtClean="0"/>
+                        <a:rPr lang="en-US" sz="1200" dirty="0"/>
                         <a:t>1. Combine</a:t>
                       </a:r>
                       <a:r>
-                        <a:rPr lang="en-US" sz="1200" baseline="0" dirty="0" smtClean="0"/>
+                        <a:rPr lang="en-US" sz="1200" baseline="0" dirty="0"/>
                         <a:t> simpler functions</a:t>
                       </a:r>
                       <a:endParaRPr lang="en-US" sz="1200" dirty="0"/>
@@ -7073,6 +6980,11 @@
                   </a:txBody>
                   <a:tcPr/>
                 </a:tc>
+                <a:extLst>
+                  <a:ext uri="{0D108BD9-81ED-4DB2-BD59-A6C34878D82A}">
+                    <a16:rowId xmlns:a16="http://schemas.microsoft.com/office/drawing/2014/main" val="10001"/>
+                  </a:ext>
+                </a:extLst>
               </a:tr>
               <a:tr h="261408">
                 <a:tc>
@@ -7081,7 +6993,7 @@
                     <a:lstStyle/>
                     <a:p>
                       <a:r>
-                        <a:rPr lang="en-US" sz="1200" dirty="0" smtClean="0">
+                        <a:rPr lang="en-US" sz="1200" dirty="0">
                           <a:solidFill>
                             <a:schemeClr val="bg1">
                               <a:lumMod val="50000"/>
@@ -7091,7 +7003,7 @@
                         <a:t>2.</a:t>
                       </a:r>
                       <a:r>
-                        <a:rPr lang="en-US" sz="1200" baseline="0" dirty="0" smtClean="0">
+                        <a:rPr lang="en-US" sz="1200" baseline="0" dirty="0">
                           <a:solidFill>
                             <a:schemeClr val="bg1">
                               <a:lumMod val="50000"/>
@@ -7101,7 +7013,7 @@
                         <a:t> Use template for &lt;data </a:t>
                       </a:r>
                       <a:r>
-                        <a:rPr lang="en-US" sz="1200" baseline="0" dirty="0" err="1" smtClean="0">
+                        <a:rPr lang="en-US" sz="1200" baseline="0" dirty="0" err="1">
                           <a:solidFill>
                             <a:schemeClr val="bg1">
                               <a:lumMod val="50000"/>
@@ -7111,7 +7023,7 @@
                         <a:t>def</a:t>
                       </a:r>
                       <a:r>
-                        <a:rPr lang="en-US" sz="1200" baseline="0" dirty="0" smtClean="0">
+                        <a:rPr lang="en-US" sz="1200" baseline="0" dirty="0">
                           <a:solidFill>
                             <a:schemeClr val="bg1">
                               <a:lumMod val="50000"/>
@@ -7121,7 +7033,7 @@
                         <a:t>&gt; on &lt;</a:t>
                       </a:r>
                       <a:r>
-                        <a:rPr lang="en-US" sz="1200" baseline="0" dirty="0" err="1" smtClean="0">
+                        <a:rPr lang="en-US" sz="1200" baseline="0" dirty="0" err="1">
                           <a:solidFill>
                             <a:schemeClr val="bg1">
                               <a:lumMod val="50000"/>
@@ -7131,103 +7043,7 @@
                         <a:t>vble</a:t>
                       </a:r>
                       <a:r>
-                        <a:rPr lang="en-US" sz="1200" baseline="0" dirty="0" smtClean="0">
-                          <a:solidFill>
-                            <a:schemeClr val="bg1">
-                              <a:lumMod val="50000"/>
-                            </a:schemeClr>
-                          </a:solidFill>
-                        </a:rPr>
-                        <a:t>&gt;</a:t>
-                      </a:r>
-                      <a:endParaRPr lang="en-US" sz="1200" dirty="0" smtClean="0">
-                        <a:solidFill>
-                          <a:schemeClr val="bg1">
-                            <a:lumMod val="50000"/>
-                          </a:schemeClr>
-                        </a:solidFill>
-                      </a:endParaRPr>
-                    </a:p>
-                  </a:txBody>
-                  <a:tcPr/>
-                </a:tc>
-              </a:tr>
-              <a:tr h="261408">
-                <a:tc>
-                  <a:txBody>
-                    <a:bodyPr/>
-                    <a:lstStyle/>
-                    <a:p>
-                      <a:r>
-                        <a:rPr lang="en-US" sz="1200" dirty="0" smtClean="0">
-                          <a:solidFill>
-                            <a:schemeClr val="bg1">
-                              <a:lumMod val="50000"/>
-                            </a:schemeClr>
-                          </a:solidFill>
-                        </a:rPr>
-                        <a:t>3. Divide into cases on &lt;condition&gt;</a:t>
-                      </a:r>
-                      <a:endParaRPr lang="en-US" sz="1200" dirty="0">
-                        <a:solidFill>
-                          <a:schemeClr val="bg1">
-                            <a:lumMod val="50000"/>
-                          </a:schemeClr>
-                        </a:solidFill>
-                      </a:endParaRPr>
-                    </a:p>
-                  </a:txBody>
-                  <a:tcPr/>
-                </a:tc>
-              </a:tr>
-              <a:tr h="261408">
-                <a:tc>
-                  <a:txBody>
-                    <a:bodyPr/>
-                    <a:lstStyle/>
-                    <a:p>
-                      <a:r>
-                        <a:rPr lang="en-US" sz="1200" dirty="0" smtClean="0">
-                          <a:solidFill>
-                            <a:schemeClr val="bg1">
-                              <a:lumMod val="50000"/>
-                            </a:schemeClr>
-                          </a:solidFill>
-                        </a:rPr>
-                        <a:t>4. Use HOF &lt;</a:t>
-                      </a:r>
-                      <a:r>
-                        <a:rPr lang="en-US" sz="1200" dirty="0" err="1" smtClean="0">
-                          <a:solidFill>
-                            <a:schemeClr val="bg1">
-                              <a:lumMod val="50000"/>
-                            </a:schemeClr>
-                          </a:solidFill>
-                        </a:rPr>
-                        <a:t>mapfn</a:t>
-                      </a:r>
-                      <a:r>
-                        <a:rPr lang="en-US" sz="1200" dirty="0" smtClean="0">
-                          <a:solidFill>
-                            <a:schemeClr val="bg1">
-                              <a:lumMod val="50000"/>
-                            </a:schemeClr>
-                          </a:solidFill>
-                        </a:rPr>
-                        <a:t>&gt; on &lt;</a:t>
-                      </a:r>
-                      <a:r>
-                        <a:rPr lang="en-US" sz="1200" dirty="0" err="1" smtClean="0">
-                          <a:solidFill>
-                            <a:schemeClr val="bg1">
-                              <a:lumMod val="50000"/>
-                            </a:schemeClr>
-                          </a:solidFill>
-                        </a:rPr>
-                        <a:t>vble</a:t>
-                      </a:r>
-                      <a:r>
-                        <a:rPr lang="en-US" sz="1200" dirty="0" smtClean="0">
+                        <a:rPr lang="en-US" sz="1200" baseline="0" dirty="0">
                           <a:solidFill>
                             <a:schemeClr val="bg1">
                               <a:lumMod val="50000"/>
@@ -7247,6 +7063,11 @@
                   </a:txBody>
                   <a:tcPr/>
                 </a:tc>
+                <a:extLst>
+                  <a:ext uri="{0D108BD9-81ED-4DB2-BD59-A6C34878D82A}">
+                    <a16:rowId xmlns:a16="http://schemas.microsoft.com/office/drawing/2014/main" val="10002"/>
+                  </a:ext>
+                </a:extLst>
               </a:tr>
               <a:tr h="261408">
                 <a:tc>
@@ -7255,7 +7076,99 @@
                     <a:lstStyle/>
                     <a:p>
                       <a:r>
-                        <a:rPr lang="en-US" sz="1200" dirty="0" smtClean="0">
+                        <a:rPr lang="en-US" sz="1200" dirty="0">
+                          <a:solidFill>
+                            <a:schemeClr val="bg1">
+                              <a:lumMod val="50000"/>
+                            </a:schemeClr>
+                          </a:solidFill>
+                        </a:rPr>
+                        <a:t>3. Divide into cases on &lt;condition&gt;</a:t>
+                      </a:r>
+                    </a:p>
+                  </a:txBody>
+                  <a:tcPr/>
+                </a:tc>
+                <a:extLst>
+                  <a:ext uri="{0D108BD9-81ED-4DB2-BD59-A6C34878D82A}">
+                    <a16:rowId xmlns:a16="http://schemas.microsoft.com/office/drawing/2014/main" val="10003"/>
+                  </a:ext>
+                </a:extLst>
+              </a:tr>
+              <a:tr h="261408">
+                <a:tc>
+                  <a:txBody>
+                    <a:bodyPr/>
+                    <a:lstStyle/>
+                    <a:p>
+                      <a:r>
+                        <a:rPr lang="en-US" sz="1200" dirty="0">
+                          <a:solidFill>
+                            <a:schemeClr val="bg1">
+                              <a:lumMod val="50000"/>
+                            </a:schemeClr>
+                          </a:solidFill>
+                        </a:rPr>
+                        <a:t>4. Use HOF &lt;</a:t>
+                      </a:r>
+                      <a:r>
+                        <a:rPr lang="en-US" sz="1200" dirty="0" err="1">
+                          <a:solidFill>
+                            <a:schemeClr val="bg1">
+                              <a:lumMod val="50000"/>
+                            </a:schemeClr>
+                          </a:solidFill>
+                        </a:rPr>
+                        <a:t>mapfn</a:t>
+                      </a:r>
+                      <a:r>
+                        <a:rPr lang="en-US" sz="1200" dirty="0">
+                          <a:solidFill>
+                            <a:schemeClr val="bg1">
+                              <a:lumMod val="50000"/>
+                            </a:schemeClr>
+                          </a:solidFill>
+                        </a:rPr>
+                        <a:t>&gt; on &lt;</a:t>
+                      </a:r>
+                      <a:r>
+                        <a:rPr lang="en-US" sz="1200" dirty="0" err="1">
+                          <a:solidFill>
+                            <a:schemeClr val="bg1">
+                              <a:lumMod val="50000"/>
+                            </a:schemeClr>
+                          </a:solidFill>
+                        </a:rPr>
+                        <a:t>vble</a:t>
+                      </a:r>
+                      <a:r>
+                        <a:rPr lang="en-US" sz="1200" dirty="0">
+                          <a:solidFill>
+                            <a:schemeClr val="bg1">
+                              <a:lumMod val="50000"/>
+                            </a:schemeClr>
+                          </a:solidFill>
+                        </a:rPr>
+                        <a:t>&gt;</a:t>
+                      </a:r>
+                    </a:p>
+                  </a:txBody>
+                  <a:tcPr/>
+                </a:tc>
+                <a:extLst>
+                  <a:ext uri="{0D108BD9-81ED-4DB2-BD59-A6C34878D82A}">
+                    <a16:rowId xmlns:a16="http://schemas.microsoft.com/office/drawing/2014/main" val="10004"/>
+                  </a:ext>
+                </a:extLst>
+              </a:tr>
+              <a:tr h="261408">
+                <a:tc>
+                  <a:txBody>
+                    <a:bodyPr/>
+                    <a:lstStyle/>
+                    <a:p>
+                      <a:r>
+                        <a:rPr lang="en-US" sz="1200" dirty="0">
                           <a:solidFill>
                             <a:schemeClr val="bg1">
                               <a:lumMod val="50000"/>
@@ -7268,6 +7181,11 @@
                   </a:txBody>
                   <a:tcPr/>
                 </a:tc>
+                <a:extLst>
+                  <a:ext uri="{0D108BD9-81ED-4DB2-BD59-A6C34878D82A}">
+                    <a16:rowId xmlns:a16="http://schemas.microsoft.com/office/drawing/2014/main" val="10005"/>
+                  </a:ext>
+                </a:extLst>
               </a:tr>
             </a:tbl>
           </a:graphicData>
@@ -7323,13 +7241,6 @@
   <p:clrMapOvr>
     <a:masterClrMapping/>
   </p:clrMapOvr>
-  <p:timing>
-    <p:tnLst>
-      <p:par>
-        <p:cTn id="1" dur="indefinite" restart="never" nodeType="tmRoot"/>
-      </p:par>
-    </p:tnLst>
-  </p:timing>
 </p:sld>
 </file>
 
@@ -7368,10 +7279,9 @@
           <a:lstStyle/>
           <a:p>
             <a:r>
-              <a:rPr lang="en-US" dirty="0" smtClean="0"/>
+              <a:rPr lang="en-US" dirty="0"/>
               <a:t>Design Strategy #1: Combine Simpler Functions</a:t>
             </a:r>
-            <a:endParaRPr lang="en-US" dirty="0"/>
           </a:p>
         </p:txBody>
       </p:sp>
@@ -7391,21 +7301,21 @@
           <a:lstStyle/>
           <a:p>
             <a:r>
-              <a:rPr lang="en-US" dirty="0" smtClean="0"/>
+              <a:rPr lang="en-US" dirty="0"/>
               <a:t>Many times the desired function can be described as a combination of simpler functions.</a:t>
             </a:r>
           </a:p>
           <a:p>
             <a:r>
-              <a:rPr lang="en-US" dirty="0" smtClean="0"/>
+              <a:rPr lang="en-US" dirty="0"/>
               <a:t>This is what we did for </a:t>
             </a:r>
             <a:r>
-              <a:rPr lang="en-US" b="1" dirty="0" smtClean="0"/>
+              <a:rPr lang="en-US" b="1" dirty="0"/>
               <a:t>f2c</a:t>
             </a:r>
             <a:r>
-              <a:rPr lang="en-US" dirty="0" smtClean="0"/>
+              <a:rPr lang="en-US" dirty="0"/>
               <a:t>, where the simpler computations were just arithmetic.</a:t>
             </a:r>
           </a:p>
@@ -7448,13 +7358,6 @@
   <p:clrMapOvr>
     <a:masterClrMapping/>
   </p:clrMapOvr>
-  <p:timing>
-    <p:tnLst>
-      <p:par>
-        <p:cTn id="1" dur="indefinite" restart="never" nodeType="tmRoot"/>
-      </p:par>
-    </p:tnLst>
-  </p:timing>
 </p:sld>
 </file>
 
@@ -7491,11 +7394,11 @@
           <a:lstStyle/>
           <a:p>
             <a:r>
-              <a:rPr lang="en-US" dirty="0" smtClean="0"/>
+              <a:rPr lang="en-US" dirty="0"/>
               <a:t>Demo: </a:t>
             </a:r>
             <a:r>
-              <a:rPr lang="en-US" dirty="0" err="1" smtClean="0"/>
+              <a:rPr lang="en-US" dirty="0" err="1"/>
               <a:t>velocity.rkt</a:t>
             </a:r>
             <a:endParaRPr lang="en-US" dirty="0"/>
@@ -7520,61 +7423,61 @@
           <a:lstStyle/>
           <a:p>
             <a:r>
-              <a:rPr lang="en-US" dirty="0" smtClean="0"/>
+              <a:rPr lang="en-US" dirty="0"/>
               <a:t>On the next slide, you’ll see a video of me defining a function using the strategy “Combine Simpler Functions”.</a:t>
             </a:r>
           </a:p>
           <a:p>
             <a:r>
-              <a:rPr lang="en-US" dirty="0" smtClean="0"/>
+              <a:rPr lang="en-US" dirty="0"/>
               <a:t>Observe how I followed the recipe:  the contract, purpose statement, examples and tests were written </a:t>
             </a:r>
             <a:r>
-              <a:rPr lang="en-US" i="1" dirty="0" smtClean="0"/>
+              <a:rPr lang="en-US" i="1" dirty="0"/>
               <a:t>before</a:t>
             </a:r>
             <a:r>
-              <a:rPr lang="en-US" dirty="0" smtClean="0"/>
+              <a:rPr lang="en-US" dirty="0"/>
               <a:t> the function definition.</a:t>
             </a:r>
           </a:p>
           <a:p>
             <a:r>
-              <a:rPr lang="en-US" dirty="0" smtClean="0"/>
+              <a:rPr lang="en-US" dirty="0"/>
               <a:t>Oops:</a:t>
             </a:r>
           </a:p>
           <a:p>
             <a:pPr lvl="1"/>
             <a:r>
-              <a:rPr lang="en-US" dirty="0" smtClean="0"/>
+              <a:rPr lang="en-US" dirty="0"/>
               <a:t>The contract should have said </a:t>
             </a:r>
             <a:r>
-              <a:rPr lang="en-US" b="1" dirty="0" smtClean="0"/>
+              <a:rPr lang="en-US" b="1" dirty="0"/>
               <a:t>Real</a:t>
             </a:r>
             <a:r>
-              <a:rPr lang="en-US" dirty="0" smtClean="0"/>
+              <a:rPr lang="en-US" dirty="0"/>
               <a:t>, not </a:t>
             </a:r>
             <a:r>
-              <a:rPr lang="en-US" b="1" dirty="0" smtClean="0"/>
+              <a:rPr lang="en-US" b="1" dirty="0"/>
               <a:t>Number</a:t>
             </a:r>
             <a:r>
-              <a:rPr lang="en-US" dirty="0" smtClean="0"/>
+              <a:rPr lang="en-US" dirty="0"/>
               <a:t>.</a:t>
             </a:r>
           </a:p>
           <a:p>
             <a:pPr lvl="1"/>
             <a:r>
-              <a:rPr lang="en-US" dirty="0" smtClean="0"/>
+              <a:rPr lang="en-US" dirty="0"/>
               <a:t>The strategy should be “combine simpler functions” (we used to call this “function composition” but we decided to change it to a less fancy name. </a:t>
             </a:r>
             <a:r>
-              <a:rPr lang="en-US" dirty="0" smtClean="0">
+              <a:rPr lang="en-US" dirty="0">
                 <a:sym typeface="Wingdings" panose="05000000000000000000" pitchFamily="2" charset="2"/>
               </a:rPr>
               <a:t>)</a:t>
@@ -7582,19 +7485,19 @@
           </a:p>
           <a:p>
             <a:r>
-              <a:rPr lang="en-US" dirty="0" smtClean="0">
+              <a:rPr lang="en-US" dirty="0">
                 <a:sym typeface="Wingdings" panose="05000000000000000000" pitchFamily="2" charset="2"/>
               </a:rPr>
               <a:t>The file is 01-4-velocity.rkt .</a:t>
             </a:r>
             <a:r>
-              <a:rPr lang="en-US" dirty="0" smtClean="0"/>
+              <a:rPr lang="en-US" dirty="0"/>
               <a:t> </a:t>
             </a:r>
           </a:p>
           <a:p>
             <a:pPr algn="r"/>
-            <a:endParaRPr lang="en-US" dirty="0" smtClean="0"/>
+            <a:endParaRPr lang="en-US" dirty="0"/>
           </a:p>
           <a:p>
             <a:endParaRPr lang="en-US" dirty="0"/>
@@ -7682,7 +7585,7 @@
               <a:t>Demo: </a:t>
             </a:r>
             <a:r>
-              <a:rPr lang="en-US" dirty="0" err="1" smtClean="0"/>
+              <a:rPr lang="en-US" dirty="0" err="1"/>
               <a:t>velocity.rkt</a:t>
             </a:r>
             <a:endParaRPr lang="en-US" dirty="0"/>
@@ -7883,7 +7786,7 @@
           <a:lstStyle/>
           <a:p>
             <a:r>
-              <a:rPr lang="en-US" dirty="0" smtClean="0">
+              <a:rPr lang="en-US" dirty="0">
                 <a:hlinkClick r:id="rId4"/>
               </a:rPr>
               <a:t>YouTube link</a:t>
@@ -7902,13 +7805,6 @@
   <p:clrMapOvr>
     <a:masterClrMapping/>
   </p:clrMapOvr>
-  <p:timing>
-    <p:tnLst>
-      <p:par>
-        <p:cTn id="1" dur="indefinite" restart="never" nodeType="tmRoot"/>
-      </p:par>
-    </p:tnLst>
-  </p:timing>
 </p:sld>
 </file>
 
